--- a/units/8/lessons/3/resources/petascale-lesson-8.3-slides.pptx
+++ b/units/8/lessons/3/resources/petascale-lesson-8.3-slides.pptx
@@ -9,7 +9,7 @@
   </p:notesMasterIdLst>
   <p:sldIdLst>
     <p:sldId id="302" r:id="rId2"/>
-    <p:sldId id="303" r:id="rId3"/>
+    <p:sldId id="304" r:id="rId3"/>
     <p:sldId id="256" r:id="rId4"/>
     <p:sldId id="257" r:id="rId5"/>
     <p:sldId id="261" r:id="rId6"/>
@@ -716,7 +716,7 @@
           <a:p>
             <a:fld id="{4B3CF7B3-D0FC-6F4E-9EF4-A4A91C43FB72}" type="datetimeFigureOut">
               <a:rPr lang="en-US" smtClean="0"/>
-              <a:t>9/12/20</a:t>
+              <a:t>10/11/20</a:t>
             </a:fld>
             <a:endParaRPr lang="en-US"/>
           </a:p>
@@ -1086,7 +1086,7 @@
           <p:cNvPr id="2" name="Title 1">
             <a:extLst>
               <a:ext uri="{FF2B5EF4-FFF2-40B4-BE49-F238E27FC236}">
-                <a16:creationId xmlns:a16="http://schemas.microsoft.com/office/drawing/2014/main" xmlns="" id="{56EFF52F-5ABF-D141-AB4E-21B68FF01729}"/>
+                <a16:creationId xmlns="" xmlns:a16="http://schemas.microsoft.com/office/drawing/2014/main" id="{56EFF52F-5ABF-D141-AB4E-21B68FF01729}"/>
               </a:ext>
             </a:extLst>
           </p:cNvPr>
@@ -1123,7 +1123,7 @@
           <p:cNvPr id="3" name="Subtitle 2">
             <a:extLst>
               <a:ext uri="{FF2B5EF4-FFF2-40B4-BE49-F238E27FC236}">
-                <a16:creationId xmlns:a16="http://schemas.microsoft.com/office/drawing/2014/main" xmlns="" id="{5DDCC730-1348-0D4A-BEF3-A6A9C3D7A543}"/>
+                <a16:creationId xmlns="" xmlns:a16="http://schemas.microsoft.com/office/drawing/2014/main" id="{5DDCC730-1348-0D4A-BEF3-A6A9C3D7A543}"/>
               </a:ext>
             </a:extLst>
           </p:cNvPr>
@@ -1193,7 +1193,7 @@
           <p:cNvPr id="4" name="Date Placeholder 3">
             <a:extLst>
               <a:ext uri="{FF2B5EF4-FFF2-40B4-BE49-F238E27FC236}">
-                <a16:creationId xmlns:a16="http://schemas.microsoft.com/office/drawing/2014/main" xmlns="" id="{AF217720-FE67-774F-96F0-D2B3B32CC598}"/>
+                <a16:creationId xmlns="" xmlns:a16="http://schemas.microsoft.com/office/drawing/2014/main" id="{AF217720-FE67-774F-96F0-D2B3B32CC598}"/>
               </a:ext>
             </a:extLst>
           </p:cNvPr>
@@ -1211,7 +1211,7 @@
           <a:p>
             <a:fld id="{A821AF8D-EA27-A940-BB27-147E164DA6E4}" type="datetimeFigureOut">
               <a:rPr lang="en-US" smtClean="0"/>
-              <a:t>9/12/20</a:t>
+              <a:t>10/11/20</a:t>
             </a:fld>
             <a:endParaRPr lang="en-US"/>
           </a:p>
@@ -1222,7 +1222,7 @@
           <p:cNvPr id="5" name="Footer Placeholder 4">
             <a:extLst>
               <a:ext uri="{FF2B5EF4-FFF2-40B4-BE49-F238E27FC236}">
-                <a16:creationId xmlns:a16="http://schemas.microsoft.com/office/drawing/2014/main" xmlns="" id="{9E2BDB78-5529-344D-9FDC-97CA95CD8F23}"/>
+                <a16:creationId xmlns="" xmlns:a16="http://schemas.microsoft.com/office/drawing/2014/main" id="{9E2BDB78-5529-344D-9FDC-97CA95CD8F23}"/>
               </a:ext>
             </a:extLst>
           </p:cNvPr>
@@ -1247,7 +1247,7 @@
           <p:cNvPr id="6" name="Slide Number Placeholder 5">
             <a:extLst>
               <a:ext uri="{FF2B5EF4-FFF2-40B4-BE49-F238E27FC236}">
-                <a16:creationId xmlns:a16="http://schemas.microsoft.com/office/drawing/2014/main" xmlns="" id="{1F08EFF8-E2FB-BE42-8964-5FB66A716B35}"/>
+                <a16:creationId xmlns="" xmlns:a16="http://schemas.microsoft.com/office/drawing/2014/main" id="{1F08EFF8-E2FB-BE42-8964-5FB66A716B35}"/>
               </a:ext>
             </a:extLst>
           </p:cNvPr>
@@ -1306,7 +1306,7 @@
           <p:cNvPr id="2" name="Title 1">
             <a:extLst>
               <a:ext uri="{FF2B5EF4-FFF2-40B4-BE49-F238E27FC236}">
-                <a16:creationId xmlns:a16="http://schemas.microsoft.com/office/drawing/2014/main" xmlns="" id="{F0C1A55A-3A79-C94F-B0A0-E6DD603B2F63}"/>
+                <a16:creationId xmlns="" xmlns:a16="http://schemas.microsoft.com/office/drawing/2014/main" id="{F0C1A55A-3A79-C94F-B0A0-E6DD603B2F63}"/>
               </a:ext>
             </a:extLst>
           </p:cNvPr>
@@ -1334,7 +1334,7 @@
           <p:cNvPr id="3" name="Vertical Text Placeholder 2">
             <a:extLst>
               <a:ext uri="{FF2B5EF4-FFF2-40B4-BE49-F238E27FC236}">
-                <a16:creationId xmlns:a16="http://schemas.microsoft.com/office/drawing/2014/main" xmlns="" id="{8D60E525-E11C-6D43-A1EB-ACB93CDC6374}"/>
+                <a16:creationId xmlns="" xmlns:a16="http://schemas.microsoft.com/office/drawing/2014/main" id="{8D60E525-E11C-6D43-A1EB-ACB93CDC6374}"/>
               </a:ext>
             </a:extLst>
           </p:cNvPr>
@@ -1391,7 +1391,7 @@
           <p:cNvPr id="4" name="Date Placeholder 3">
             <a:extLst>
               <a:ext uri="{FF2B5EF4-FFF2-40B4-BE49-F238E27FC236}">
-                <a16:creationId xmlns:a16="http://schemas.microsoft.com/office/drawing/2014/main" xmlns="" id="{B1129E8A-A73C-5645-8B06-7BC3BED69936}"/>
+                <a16:creationId xmlns="" xmlns:a16="http://schemas.microsoft.com/office/drawing/2014/main" id="{B1129E8A-A73C-5645-8B06-7BC3BED69936}"/>
               </a:ext>
             </a:extLst>
           </p:cNvPr>
@@ -1409,7 +1409,7 @@
           <a:p>
             <a:fld id="{A821AF8D-EA27-A940-BB27-147E164DA6E4}" type="datetimeFigureOut">
               <a:rPr lang="en-US" smtClean="0"/>
-              <a:t>9/12/20</a:t>
+              <a:t>10/11/20</a:t>
             </a:fld>
             <a:endParaRPr lang="en-US"/>
           </a:p>
@@ -1420,7 +1420,7 @@
           <p:cNvPr id="5" name="Footer Placeholder 4">
             <a:extLst>
               <a:ext uri="{FF2B5EF4-FFF2-40B4-BE49-F238E27FC236}">
-                <a16:creationId xmlns:a16="http://schemas.microsoft.com/office/drawing/2014/main" xmlns="" id="{C95EDA5C-028A-074D-86B7-38CF15E125A9}"/>
+                <a16:creationId xmlns="" xmlns:a16="http://schemas.microsoft.com/office/drawing/2014/main" id="{C95EDA5C-028A-074D-86B7-38CF15E125A9}"/>
               </a:ext>
             </a:extLst>
           </p:cNvPr>
@@ -1445,7 +1445,7 @@
           <p:cNvPr id="6" name="Slide Number Placeholder 5">
             <a:extLst>
               <a:ext uri="{FF2B5EF4-FFF2-40B4-BE49-F238E27FC236}">
-                <a16:creationId xmlns:a16="http://schemas.microsoft.com/office/drawing/2014/main" xmlns="" id="{704BFC68-8EED-7643-B80D-D68B96C47856}"/>
+                <a16:creationId xmlns="" xmlns:a16="http://schemas.microsoft.com/office/drawing/2014/main" id="{704BFC68-8EED-7643-B80D-D68B96C47856}"/>
               </a:ext>
             </a:extLst>
           </p:cNvPr>
@@ -1504,7 +1504,7 @@
           <p:cNvPr id="2" name="Vertical Title 1">
             <a:extLst>
               <a:ext uri="{FF2B5EF4-FFF2-40B4-BE49-F238E27FC236}">
-                <a16:creationId xmlns:a16="http://schemas.microsoft.com/office/drawing/2014/main" xmlns="" id="{E8F3B61B-DE03-4E4D-8273-68D386B69D5A}"/>
+                <a16:creationId xmlns="" xmlns:a16="http://schemas.microsoft.com/office/drawing/2014/main" id="{E8F3B61B-DE03-4E4D-8273-68D386B69D5A}"/>
               </a:ext>
             </a:extLst>
           </p:cNvPr>
@@ -1537,7 +1537,7 @@
           <p:cNvPr id="3" name="Vertical Text Placeholder 2">
             <a:extLst>
               <a:ext uri="{FF2B5EF4-FFF2-40B4-BE49-F238E27FC236}">
-                <a16:creationId xmlns:a16="http://schemas.microsoft.com/office/drawing/2014/main" xmlns="" id="{837D6FA4-BAE5-F04C-B4FB-C53A3D00B118}"/>
+                <a16:creationId xmlns="" xmlns:a16="http://schemas.microsoft.com/office/drawing/2014/main" id="{837D6FA4-BAE5-F04C-B4FB-C53A3D00B118}"/>
               </a:ext>
             </a:extLst>
           </p:cNvPr>
@@ -1599,7 +1599,7 @@
           <p:cNvPr id="4" name="Date Placeholder 3">
             <a:extLst>
               <a:ext uri="{FF2B5EF4-FFF2-40B4-BE49-F238E27FC236}">
-                <a16:creationId xmlns:a16="http://schemas.microsoft.com/office/drawing/2014/main" xmlns="" id="{0544E3FD-DA26-1E4D-8D85-CC7E7C6145B2}"/>
+                <a16:creationId xmlns="" xmlns:a16="http://schemas.microsoft.com/office/drawing/2014/main" id="{0544E3FD-DA26-1E4D-8D85-CC7E7C6145B2}"/>
               </a:ext>
             </a:extLst>
           </p:cNvPr>
@@ -1617,7 +1617,7 @@
           <a:p>
             <a:fld id="{A821AF8D-EA27-A940-BB27-147E164DA6E4}" type="datetimeFigureOut">
               <a:rPr lang="en-US" smtClean="0"/>
-              <a:t>9/12/20</a:t>
+              <a:t>10/11/20</a:t>
             </a:fld>
             <a:endParaRPr lang="en-US"/>
           </a:p>
@@ -1628,7 +1628,7 @@
           <p:cNvPr id="5" name="Footer Placeholder 4">
             <a:extLst>
               <a:ext uri="{FF2B5EF4-FFF2-40B4-BE49-F238E27FC236}">
-                <a16:creationId xmlns:a16="http://schemas.microsoft.com/office/drawing/2014/main" xmlns="" id="{AC3130FA-8E1A-E141-A22C-AE3974F216C7}"/>
+                <a16:creationId xmlns="" xmlns:a16="http://schemas.microsoft.com/office/drawing/2014/main" id="{AC3130FA-8E1A-E141-A22C-AE3974F216C7}"/>
               </a:ext>
             </a:extLst>
           </p:cNvPr>
@@ -1653,7 +1653,7 @@
           <p:cNvPr id="6" name="Slide Number Placeholder 5">
             <a:extLst>
               <a:ext uri="{FF2B5EF4-FFF2-40B4-BE49-F238E27FC236}">
-                <a16:creationId xmlns:a16="http://schemas.microsoft.com/office/drawing/2014/main" xmlns="" id="{55A1AE83-F2C7-A54A-98E1-D5D2F920D46E}"/>
+                <a16:creationId xmlns="" xmlns:a16="http://schemas.microsoft.com/office/drawing/2014/main" id="{55A1AE83-F2C7-A54A-98E1-D5D2F920D46E}"/>
               </a:ext>
             </a:extLst>
           </p:cNvPr>
@@ -1712,7 +1712,7 @@
           <p:cNvPr id="2" name="Title 1">
             <a:extLst>
               <a:ext uri="{FF2B5EF4-FFF2-40B4-BE49-F238E27FC236}">
-                <a16:creationId xmlns:a16="http://schemas.microsoft.com/office/drawing/2014/main" xmlns="" id="{63A3EA9E-F75E-5B4B-844D-7C5645989A93}"/>
+                <a16:creationId xmlns="" xmlns:a16="http://schemas.microsoft.com/office/drawing/2014/main" id="{63A3EA9E-F75E-5B4B-844D-7C5645989A93}"/>
               </a:ext>
             </a:extLst>
           </p:cNvPr>
@@ -1740,7 +1740,7 @@
           <p:cNvPr id="3" name="Content Placeholder 2">
             <a:extLst>
               <a:ext uri="{FF2B5EF4-FFF2-40B4-BE49-F238E27FC236}">
-                <a16:creationId xmlns:a16="http://schemas.microsoft.com/office/drawing/2014/main" xmlns="" id="{C633C046-BEA5-404D-91CD-19F07C162D52}"/>
+                <a16:creationId xmlns="" xmlns:a16="http://schemas.microsoft.com/office/drawing/2014/main" id="{C633C046-BEA5-404D-91CD-19F07C162D52}"/>
               </a:ext>
             </a:extLst>
           </p:cNvPr>
@@ -1797,7 +1797,7 @@
           <p:cNvPr id="4" name="Date Placeholder 3">
             <a:extLst>
               <a:ext uri="{FF2B5EF4-FFF2-40B4-BE49-F238E27FC236}">
-                <a16:creationId xmlns:a16="http://schemas.microsoft.com/office/drawing/2014/main" xmlns="" id="{79307961-8F16-C843-A71D-B2583AE8751A}"/>
+                <a16:creationId xmlns="" xmlns:a16="http://schemas.microsoft.com/office/drawing/2014/main" id="{79307961-8F16-C843-A71D-B2583AE8751A}"/>
               </a:ext>
             </a:extLst>
           </p:cNvPr>
@@ -1815,7 +1815,7 @@
           <a:p>
             <a:fld id="{A821AF8D-EA27-A940-BB27-147E164DA6E4}" type="datetimeFigureOut">
               <a:rPr lang="en-US" smtClean="0"/>
-              <a:t>9/12/20</a:t>
+              <a:t>10/11/20</a:t>
             </a:fld>
             <a:endParaRPr lang="en-US"/>
           </a:p>
@@ -1826,7 +1826,7 @@
           <p:cNvPr id="5" name="Footer Placeholder 4">
             <a:extLst>
               <a:ext uri="{FF2B5EF4-FFF2-40B4-BE49-F238E27FC236}">
-                <a16:creationId xmlns:a16="http://schemas.microsoft.com/office/drawing/2014/main" xmlns="" id="{CC18C2B7-2466-3241-9FC8-79778F0B4EF4}"/>
+                <a16:creationId xmlns="" xmlns:a16="http://schemas.microsoft.com/office/drawing/2014/main" id="{CC18C2B7-2466-3241-9FC8-79778F0B4EF4}"/>
               </a:ext>
             </a:extLst>
           </p:cNvPr>
@@ -1851,7 +1851,7 @@
           <p:cNvPr id="6" name="Slide Number Placeholder 5">
             <a:extLst>
               <a:ext uri="{FF2B5EF4-FFF2-40B4-BE49-F238E27FC236}">
-                <a16:creationId xmlns:a16="http://schemas.microsoft.com/office/drawing/2014/main" xmlns="" id="{3B26E58B-7F22-1C4D-9173-4541D5BFC024}"/>
+                <a16:creationId xmlns="" xmlns:a16="http://schemas.microsoft.com/office/drawing/2014/main" id="{3B26E58B-7F22-1C4D-9173-4541D5BFC024}"/>
               </a:ext>
             </a:extLst>
           </p:cNvPr>
@@ -1910,7 +1910,7 @@
           <p:cNvPr id="2" name="Title 1">
             <a:extLst>
               <a:ext uri="{FF2B5EF4-FFF2-40B4-BE49-F238E27FC236}">
-                <a16:creationId xmlns:a16="http://schemas.microsoft.com/office/drawing/2014/main" xmlns="" id="{9B9005F0-F0C5-FB41-8113-CCD290AE4156}"/>
+                <a16:creationId xmlns="" xmlns:a16="http://schemas.microsoft.com/office/drawing/2014/main" id="{9B9005F0-F0C5-FB41-8113-CCD290AE4156}"/>
               </a:ext>
             </a:extLst>
           </p:cNvPr>
@@ -1947,7 +1947,7 @@
           <p:cNvPr id="3" name="Text Placeholder 2">
             <a:extLst>
               <a:ext uri="{FF2B5EF4-FFF2-40B4-BE49-F238E27FC236}">
-                <a16:creationId xmlns:a16="http://schemas.microsoft.com/office/drawing/2014/main" xmlns="" id="{BCEE14ED-2E93-B947-9A2C-246A8A468E1B}"/>
+                <a16:creationId xmlns="" xmlns:a16="http://schemas.microsoft.com/office/drawing/2014/main" id="{BCEE14ED-2E93-B947-9A2C-246A8A468E1B}"/>
               </a:ext>
             </a:extLst>
           </p:cNvPr>
@@ -2072,7 +2072,7 @@
           <p:cNvPr id="4" name="Date Placeholder 3">
             <a:extLst>
               <a:ext uri="{FF2B5EF4-FFF2-40B4-BE49-F238E27FC236}">
-                <a16:creationId xmlns:a16="http://schemas.microsoft.com/office/drawing/2014/main" xmlns="" id="{C6B7A258-BFE0-8F43-B085-1086FD89BDFE}"/>
+                <a16:creationId xmlns="" xmlns:a16="http://schemas.microsoft.com/office/drawing/2014/main" id="{C6B7A258-BFE0-8F43-B085-1086FD89BDFE}"/>
               </a:ext>
             </a:extLst>
           </p:cNvPr>
@@ -2090,7 +2090,7 @@
           <a:p>
             <a:fld id="{A821AF8D-EA27-A940-BB27-147E164DA6E4}" type="datetimeFigureOut">
               <a:rPr lang="en-US" smtClean="0"/>
-              <a:t>9/12/20</a:t>
+              <a:t>10/11/20</a:t>
             </a:fld>
             <a:endParaRPr lang="en-US"/>
           </a:p>
@@ -2101,7 +2101,7 @@
           <p:cNvPr id="5" name="Footer Placeholder 4">
             <a:extLst>
               <a:ext uri="{FF2B5EF4-FFF2-40B4-BE49-F238E27FC236}">
-                <a16:creationId xmlns:a16="http://schemas.microsoft.com/office/drawing/2014/main" xmlns="" id="{9EB23650-47BC-384E-96CC-31D9056BE848}"/>
+                <a16:creationId xmlns="" xmlns:a16="http://schemas.microsoft.com/office/drawing/2014/main" id="{9EB23650-47BC-384E-96CC-31D9056BE848}"/>
               </a:ext>
             </a:extLst>
           </p:cNvPr>
@@ -2126,7 +2126,7 @@
           <p:cNvPr id="6" name="Slide Number Placeholder 5">
             <a:extLst>
               <a:ext uri="{FF2B5EF4-FFF2-40B4-BE49-F238E27FC236}">
-                <a16:creationId xmlns:a16="http://schemas.microsoft.com/office/drawing/2014/main" xmlns="" id="{3FB96811-304F-2346-9B21-1D3F2E2DC866}"/>
+                <a16:creationId xmlns="" xmlns:a16="http://schemas.microsoft.com/office/drawing/2014/main" id="{3FB96811-304F-2346-9B21-1D3F2E2DC866}"/>
               </a:ext>
             </a:extLst>
           </p:cNvPr>
@@ -2185,7 +2185,7 @@
           <p:cNvPr id="2" name="Title 1">
             <a:extLst>
               <a:ext uri="{FF2B5EF4-FFF2-40B4-BE49-F238E27FC236}">
-                <a16:creationId xmlns:a16="http://schemas.microsoft.com/office/drawing/2014/main" xmlns="" id="{287D88A1-9255-7241-8107-1489A9A5056F}"/>
+                <a16:creationId xmlns="" xmlns:a16="http://schemas.microsoft.com/office/drawing/2014/main" id="{287D88A1-9255-7241-8107-1489A9A5056F}"/>
               </a:ext>
             </a:extLst>
           </p:cNvPr>
@@ -2213,7 +2213,7 @@
           <p:cNvPr id="3" name="Content Placeholder 2">
             <a:extLst>
               <a:ext uri="{FF2B5EF4-FFF2-40B4-BE49-F238E27FC236}">
-                <a16:creationId xmlns:a16="http://schemas.microsoft.com/office/drawing/2014/main" xmlns="" id="{93A75FBE-0F34-9F40-B265-5E85A84FEF9F}"/>
+                <a16:creationId xmlns="" xmlns:a16="http://schemas.microsoft.com/office/drawing/2014/main" id="{93A75FBE-0F34-9F40-B265-5E85A84FEF9F}"/>
               </a:ext>
             </a:extLst>
           </p:cNvPr>
@@ -2275,7 +2275,7 @@
           <p:cNvPr id="4" name="Content Placeholder 3">
             <a:extLst>
               <a:ext uri="{FF2B5EF4-FFF2-40B4-BE49-F238E27FC236}">
-                <a16:creationId xmlns:a16="http://schemas.microsoft.com/office/drawing/2014/main" xmlns="" id="{C6B649B7-B9B8-A84B-BF66-D030955F146E}"/>
+                <a16:creationId xmlns="" xmlns:a16="http://schemas.microsoft.com/office/drawing/2014/main" id="{C6B649B7-B9B8-A84B-BF66-D030955F146E}"/>
               </a:ext>
             </a:extLst>
           </p:cNvPr>
@@ -2337,7 +2337,7 @@
           <p:cNvPr id="5" name="Date Placeholder 4">
             <a:extLst>
               <a:ext uri="{FF2B5EF4-FFF2-40B4-BE49-F238E27FC236}">
-                <a16:creationId xmlns:a16="http://schemas.microsoft.com/office/drawing/2014/main" xmlns="" id="{89F504BC-772A-5E4A-A4F3-DB7E9CF2B828}"/>
+                <a16:creationId xmlns="" xmlns:a16="http://schemas.microsoft.com/office/drawing/2014/main" id="{89F504BC-772A-5E4A-A4F3-DB7E9CF2B828}"/>
               </a:ext>
             </a:extLst>
           </p:cNvPr>
@@ -2355,7 +2355,7 @@
           <a:p>
             <a:fld id="{A821AF8D-EA27-A940-BB27-147E164DA6E4}" type="datetimeFigureOut">
               <a:rPr lang="en-US" smtClean="0"/>
-              <a:t>9/12/20</a:t>
+              <a:t>10/11/20</a:t>
             </a:fld>
             <a:endParaRPr lang="en-US"/>
           </a:p>
@@ -2366,7 +2366,7 @@
           <p:cNvPr id="6" name="Footer Placeholder 5">
             <a:extLst>
               <a:ext uri="{FF2B5EF4-FFF2-40B4-BE49-F238E27FC236}">
-                <a16:creationId xmlns:a16="http://schemas.microsoft.com/office/drawing/2014/main" xmlns="" id="{26D361FA-0D24-A142-B6B2-377DF01A0EA5}"/>
+                <a16:creationId xmlns="" xmlns:a16="http://schemas.microsoft.com/office/drawing/2014/main" id="{26D361FA-0D24-A142-B6B2-377DF01A0EA5}"/>
               </a:ext>
             </a:extLst>
           </p:cNvPr>
@@ -2391,7 +2391,7 @@
           <p:cNvPr id="7" name="Slide Number Placeholder 6">
             <a:extLst>
               <a:ext uri="{FF2B5EF4-FFF2-40B4-BE49-F238E27FC236}">
-                <a16:creationId xmlns:a16="http://schemas.microsoft.com/office/drawing/2014/main" xmlns="" id="{B51D1DC7-3B60-CF4E-A23A-065E1DD56109}"/>
+                <a16:creationId xmlns="" xmlns:a16="http://schemas.microsoft.com/office/drawing/2014/main" id="{B51D1DC7-3B60-CF4E-A23A-065E1DD56109}"/>
               </a:ext>
             </a:extLst>
           </p:cNvPr>
@@ -2450,7 +2450,7 @@
           <p:cNvPr id="2" name="Title 1">
             <a:extLst>
               <a:ext uri="{FF2B5EF4-FFF2-40B4-BE49-F238E27FC236}">
-                <a16:creationId xmlns:a16="http://schemas.microsoft.com/office/drawing/2014/main" xmlns="" id="{1CB8379D-A4D0-B041-B780-237FB16B663D}"/>
+                <a16:creationId xmlns="" xmlns:a16="http://schemas.microsoft.com/office/drawing/2014/main" id="{1CB8379D-A4D0-B041-B780-237FB16B663D}"/>
               </a:ext>
             </a:extLst>
           </p:cNvPr>
@@ -2483,7 +2483,7 @@
           <p:cNvPr id="3" name="Text Placeholder 2">
             <a:extLst>
               <a:ext uri="{FF2B5EF4-FFF2-40B4-BE49-F238E27FC236}">
-                <a16:creationId xmlns:a16="http://schemas.microsoft.com/office/drawing/2014/main" xmlns="" id="{26068875-7984-8649-8598-9B56CB6F2C14}"/>
+                <a16:creationId xmlns="" xmlns:a16="http://schemas.microsoft.com/office/drawing/2014/main" id="{26068875-7984-8649-8598-9B56CB6F2C14}"/>
               </a:ext>
             </a:extLst>
           </p:cNvPr>
@@ -2554,7 +2554,7 @@
           <p:cNvPr id="4" name="Content Placeholder 3">
             <a:extLst>
               <a:ext uri="{FF2B5EF4-FFF2-40B4-BE49-F238E27FC236}">
-                <a16:creationId xmlns:a16="http://schemas.microsoft.com/office/drawing/2014/main" xmlns="" id="{BB7EB37C-72B6-FB4E-9B23-373779EA9573}"/>
+                <a16:creationId xmlns="" xmlns:a16="http://schemas.microsoft.com/office/drawing/2014/main" id="{BB7EB37C-72B6-FB4E-9B23-373779EA9573}"/>
               </a:ext>
             </a:extLst>
           </p:cNvPr>
@@ -2616,7 +2616,7 @@
           <p:cNvPr id="5" name="Text Placeholder 4">
             <a:extLst>
               <a:ext uri="{FF2B5EF4-FFF2-40B4-BE49-F238E27FC236}">
-                <a16:creationId xmlns:a16="http://schemas.microsoft.com/office/drawing/2014/main" xmlns="" id="{DCF177DF-058A-FC49-BF40-61087803DF73}"/>
+                <a16:creationId xmlns="" xmlns:a16="http://schemas.microsoft.com/office/drawing/2014/main" id="{DCF177DF-058A-FC49-BF40-61087803DF73}"/>
               </a:ext>
             </a:extLst>
           </p:cNvPr>
@@ -2687,7 +2687,7 @@
           <p:cNvPr id="6" name="Content Placeholder 5">
             <a:extLst>
               <a:ext uri="{FF2B5EF4-FFF2-40B4-BE49-F238E27FC236}">
-                <a16:creationId xmlns:a16="http://schemas.microsoft.com/office/drawing/2014/main" xmlns="" id="{3A91DE52-246D-E340-8DEF-CADD15C9BD5A}"/>
+                <a16:creationId xmlns="" xmlns:a16="http://schemas.microsoft.com/office/drawing/2014/main" id="{3A91DE52-246D-E340-8DEF-CADD15C9BD5A}"/>
               </a:ext>
             </a:extLst>
           </p:cNvPr>
@@ -2749,7 +2749,7 @@
           <p:cNvPr id="7" name="Date Placeholder 6">
             <a:extLst>
               <a:ext uri="{FF2B5EF4-FFF2-40B4-BE49-F238E27FC236}">
-                <a16:creationId xmlns:a16="http://schemas.microsoft.com/office/drawing/2014/main" xmlns="" id="{EB9D2EAB-942B-1744-AB3E-1167B0DA2617}"/>
+                <a16:creationId xmlns="" xmlns:a16="http://schemas.microsoft.com/office/drawing/2014/main" id="{EB9D2EAB-942B-1744-AB3E-1167B0DA2617}"/>
               </a:ext>
             </a:extLst>
           </p:cNvPr>
@@ -2767,7 +2767,7 @@
           <a:p>
             <a:fld id="{A821AF8D-EA27-A940-BB27-147E164DA6E4}" type="datetimeFigureOut">
               <a:rPr lang="en-US" smtClean="0"/>
-              <a:t>9/12/20</a:t>
+              <a:t>10/11/20</a:t>
             </a:fld>
             <a:endParaRPr lang="en-US"/>
           </a:p>
@@ -2778,7 +2778,7 @@
           <p:cNvPr id="8" name="Footer Placeholder 7">
             <a:extLst>
               <a:ext uri="{FF2B5EF4-FFF2-40B4-BE49-F238E27FC236}">
-                <a16:creationId xmlns:a16="http://schemas.microsoft.com/office/drawing/2014/main" xmlns="" id="{8E4704A6-171F-B74E-9060-3DFB15550A7C}"/>
+                <a16:creationId xmlns="" xmlns:a16="http://schemas.microsoft.com/office/drawing/2014/main" id="{8E4704A6-171F-B74E-9060-3DFB15550A7C}"/>
               </a:ext>
             </a:extLst>
           </p:cNvPr>
@@ -2803,7 +2803,7 @@
           <p:cNvPr id="9" name="Slide Number Placeholder 8">
             <a:extLst>
               <a:ext uri="{FF2B5EF4-FFF2-40B4-BE49-F238E27FC236}">
-                <a16:creationId xmlns:a16="http://schemas.microsoft.com/office/drawing/2014/main" xmlns="" id="{9BB6CDA1-5DBA-9D49-B352-DBF968D0CB70}"/>
+                <a16:creationId xmlns="" xmlns:a16="http://schemas.microsoft.com/office/drawing/2014/main" id="{9BB6CDA1-5DBA-9D49-B352-DBF968D0CB70}"/>
               </a:ext>
             </a:extLst>
           </p:cNvPr>
@@ -2862,7 +2862,7 @@
           <p:cNvPr id="2" name="Title 1">
             <a:extLst>
               <a:ext uri="{FF2B5EF4-FFF2-40B4-BE49-F238E27FC236}">
-                <a16:creationId xmlns:a16="http://schemas.microsoft.com/office/drawing/2014/main" xmlns="" id="{D5B0EB9B-D728-9E40-ABA5-2FE90BDAE6AA}"/>
+                <a16:creationId xmlns="" xmlns:a16="http://schemas.microsoft.com/office/drawing/2014/main" id="{D5B0EB9B-D728-9E40-ABA5-2FE90BDAE6AA}"/>
               </a:ext>
             </a:extLst>
           </p:cNvPr>
@@ -2890,7 +2890,7 @@
           <p:cNvPr id="3" name="Date Placeholder 2">
             <a:extLst>
               <a:ext uri="{FF2B5EF4-FFF2-40B4-BE49-F238E27FC236}">
-                <a16:creationId xmlns:a16="http://schemas.microsoft.com/office/drawing/2014/main" xmlns="" id="{52796596-4357-3A4A-8563-B2B91A18D3A4}"/>
+                <a16:creationId xmlns="" xmlns:a16="http://schemas.microsoft.com/office/drawing/2014/main" id="{52796596-4357-3A4A-8563-B2B91A18D3A4}"/>
               </a:ext>
             </a:extLst>
           </p:cNvPr>
@@ -2908,7 +2908,7 @@
           <a:p>
             <a:fld id="{A821AF8D-EA27-A940-BB27-147E164DA6E4}" type="datetimeFigureOut">
               <a:rPr lang="en-US" smtClean="0"/>
-              <a:t>9/12/20</a:t>
+              <a:t>10/11/20</a:t>
             </a:fld>
             <a:endParaRPr lang="en-US"/>
           </a:p>
@@ -2919,7 +2919,7 @@
           <p:cNvPr id="4" name="Footer Placeholder 3">
             <a:extLst>
               <a:ext uri="{FF2B5EF4-FFF2-40B4-BE49-F238E27FC236}">
-                <a16:creationId xmlns:a16="http://schemas.microsoft.com/office/drawing/2014/main" xmlns="" id="{42E3B0DF-5B3E-8E46-9F40-B84C0948A817}"/>
+                <a16:creationId xmlns="" xmlns:a16="http://schemas.microsoft.com/office/drawing/2014/main" id="{42E3B0DF-5B3E-8E46-9F40-B84C0948A817}"/>
               </a:ext>
             </a:extLst>
           </p:cNvPr>
@@ -2944,7 +2944,7 @@
           <p:cNvPr id="5" name="Slide Number Placeholder 4">
             <a:extLst>
               <a:ext uri="{FF2B5EF4-FFF2-40B4-BE49-F238E27FC236}">
-                <a16:creationId xmlns:a16="http://schemas.microsoft.com/office/drawing/2014/main" xmlns="" id="{E80D5EBC-72B6-0E4D-AA5D-3A0A4D9D3156}"/>
+                <a16:creationId xmlns="" xmlns:a16="http://schemas.microsoft.com/office/drawing/2014/main" id="{E80D5EBC-72B6-0E4D-AA5D-3A0A4D9D3156}"/>
               </a:ext>
             </a:extLst>
           </p:cNvPr>
@@ -3003,7 +3003,7 @@
           <p:cNvPr id="2" name="Date Placeholder 1">
             <a:extLst>
               <a:ext uri="{FF2B5EF4-FFF2-40B4-BE49-F238E27FC236}">
-                <a16:creationId xmlns:a16="http://schemas.microsoft.com/office/drawing/2014/main" xmlns="" id="{9746A7A7-5ACF-9D4D-9032-65B29DFDBF0F}"/>
+                <a16:creationId xmlns="" xmlns:a16="http://schemas.microsoft.com/office/drawing/2014/main" id="{9746A7A7-5ACF-9D4D-9032-65B29DFDBF0F}"/>
               </a:ext>
             </a:extLst>
           </p:cNvPr>
@@ -3021,7 +3021,7 @@
           <a:p>
             <a:fld id="{A821AF8D-EA27-A940-BB27-147E164DA6E4}" type="datetimeFigureOut">
               <a:rPr lang="en-US" smtClean="0"/>
-              <a:t>9/12/20</a:t>
+              <a:t>10/11/20</a:t>
             </a:fld>
             <a:endParaRPr lang="en-US"/>
           </a:p>
@@ -3032,7 +3032,7 @@
           <p:cNvPr id="3" name="Footer Placeholder 2">
             <a:extLst>
               <a:ext uri="{FF2B5EF4-FFF2-40B4-BE49-F238E27FC236}">
-                <a16:creationId xmlns:a16="http://schemas.microsoft.com/office/drawing/2014/main" xmlns="" id="{F12E0F61-A1D7-8F44-B829-F1C3D6B31F8B}"/>
+                <a16:creationId xmlns="" xmlns:a16="http://schemas.microsoft.com/office/drawing/2014/main" id="{F12E0F61-A1D7-8F44-B829-F1C3D6B31F8B}"/>
               </a:ext>
             </a:extLst>
           </p:cNvPr>
@@ -3057,7 +3057,7 @@
           <p:cNvPr id="4" name="Slide Number Placeholder 3">
             <a:extLst>
               <a:ext uri="{FF2B5EF4-FFF2-40B4-BE49-F238E27FC236}">
-                <a16:creationId xmlns:a16="http://schemas.microsoft.com/office/drawing/2014/main" xmlns="" id="{65747178-BED5-1C48-A6C3-76B82435B134}"/>
+                <a16:creationId xmlns="" xmlns:a16="http://schemas.microsoft.com/office/drawing/2014/main" id="{65747178-BED5-1C48-A6C3-76B82435B134}"/>
               </a:ext>
             </a:extLst>
           </p:cNvPr>
@@ -3116,7 +3116,7 @@
           <p:cNvPr id="2" name="Title 1">
             <a:extLst>
               <a:ext uri="{FF2B5EF4-FFF2-40B4-BE49-F238E27FC236}">
-                <a16:creationId xmlns:a16="http://schemas.microsoft.com/office/drawing/2014/main" xmlns="" id="{81C16306-B158-E140-812E-4649C538955C}"/>
+                <a16:creationId xmlns="" xmlns:a16="http://schemas.microsoft.com/office/drawing/2014/main" id="{81C16306-B158-E140-812E-4649C538955C}"/>
               </a:ext>
             </a:extLst>
           </p:cNvPr>
@@ -3153,7 +3153,7 @@
           <p:cNvPr id="3" name="Content Placeholder 2">
             <a:extLst>
               <a:ext uri="{FF2B5EF4-FFF2-40B4-BE49-F238E27FC236}">
-                <a16:creationId xmlns:a16="http://schemas.microsoft.com/office/drawing/2014/main" xmlns="" id="{2913B2FD-F386-E74E-B235-4A1338499D63}"/>
+                <a16:creationId xmlns="" xmlns:a16="http://schemas.microsoft.com/office/drawing/2014/main" id="{2913B2FD-F386-E74E-B235-4A1338499D63}"/>
               </a:ext>
             </a:extLst>
           </p:cNvPr>
@@ -3243,7 +3243,7 @@
           <p:cNvPr id="4" name="Text Placeholder 3">
             <a:extLst>
               <a:ext uri="{FF2B5EF4-FFF2-40B4-BE49-F238E27FC236}">
-                <a16:creationId xmlns:a16="http://schemas.microsoft.com/office/drawing/2014/main" xmlns="" id="{7E3B1F17-1E70-8943-9626-30A751863EAC}"/>
+                <a16:creationId xmlns="" xmlns:a16="http://schemas.microsoft.com/office/drawing/2014/main" id="{7E3B1F17-1E70-8943-9626-30A751863EAC}"/>
               </a:ext>
             </a:extLst>
           </p:cNvPr>
@@ -3314,7 +3314,7 @@
           <p:cNvPr id="5" name="Date Placeholder 4">
             <a:extLst>
               <a:ext uri="{FF2B5EF4-FFF2-40B4-BE49-F238E27FC236}">
-                <a16:creationId xmlns:a16="http://schemas.microsoft.com/office/drawing/2014/main" xmlns="" id="{FFDBF623-8A9A-7649-8EC2-2CE90E4E5594}"/>
+                <a16:creationId xmlns="" xmlns:a16="http://schemas.microsoft.com/office/drawing/2014/main" id="{FFDBF623-8A9A-7649-8EC2-2CE90E4E5594}"/>
               </a:ext>
             </a:extLst>
           </p:cNvPr>
@@ -3332,7 +3332,7 @@
           <a:p>
             <a:fld id="{A821AF8D-EA27-A940-BB27-147E164DA6E4}" type="datetimeFigureOut">
               <a:rPr lang="en-US" smtClean="0"/>
-              <a:t>9/12/20</a:t>
+              <a:t>10/11/20</a:t>
             </a:fld>
             <a:endParaRPr lang="en-US"/>
           </a:p>
@@ -3343,7 +3343,7 @@
           <p:cNvPr id="6" name="Footer Placeholder 5">
             <a:extLst>
               <a:ext uri="{FF2B5EF4-FFF2-40B4-BE49-F238E27FC236}">
-                <a16:creationId xmlns:a16="http://schemas.microsoft.com/office/drawing/2014/main" xmlns="" id="{E78B6AA3-A4EF-3243-9D30-C361EC7E4E78}"/>
+                <a16:creationId xmlns="" xmlns:a16="http://schemas.microsoft.com/office/drawing/2014/main" id="{E78B6AA3-A4EF-3243-9D30-C361EC7E4E78}"/>
               </a:ext>
             </a:extLst>
           </p:cNvPr>
@@ -3368,7 +3368,7 @@
           <p:cNvPr id="7" name="Slide Number Placeholder 6">
             <a:extLst>
               <a:ext uri="{FF2B5EF4-FFF2-40B4-BE49-F238E27FC236}">
-                <a16:creationId xmlns:a16="http://schemas.microsoft.com/office/drawing/2014/main" xmlns="" id="{ADB4200A-A0D8-1646-AF64-1B1103468CC6}"/>
+                <a16:creationId xmlns="" xmlns:a16="http://schemas.microsoft.com/office/drawing/2014/main" id="{ADB4200A-A0D8-1646-AF64-1B1103468CC6}"/>
               </a:ext>
             </a:extLst>
           </p:cNvPr>
@@ -3427,7 +3427,7 @@
           <p:cNvPr id="2" name="Title 1">
             <a:extLst>
               <a:ext uri="{FF2B5EF4-FFF2-40B4-BE49-F238E27FC236}">
-                <a16:creationId xmlns:a16="http://schemas.microsoft.com/office/drawing/2014/main" xmlns="" id="{BA1870D9-ACB3-0D4E-9068-5A5A161164EC}"/>
+                <a16:creationId xmlns="" xmlns:a16="http://schemas.microsoft.com/office/drawing/2014/main" id="{BA1870D9-ACB3-0D4E-9068-5A5A161164EC}"/>
               </a:ext>
             </a:extLst>
           </p:cNvPr>
@@ -3464,7 +3464,7 @@
           <p:cNvPr id="3" name="Picture Placeholder 2">
             <a:extLst>
               <a:ext uri="{FF2B5EF4-FFF2-40B4-BE49-F238E27FC236}">
-                <a16:creationId xmlns:a16="http://schemas.microsoft.com/office/drawing/2014/main" xmlns="" id="{29D71151-C025-C242-B1B5-9F476E37DF56}"/>
+                <a16:creationId xmlns="" xmlns:a16="http://schemas.microsoft.com/office/drawing/2014/main" id="{29D71151-C025-C242-B1B5-9F476E37DF56}"/>
               </a:ext>
             </a:extLst>
           </p:cNvPr>
@@ -3531,7 +3531,7 @@
           <p:cNvPr id="4" name="Text Placeholder 3">
             <a:extLst>
               <a:ext uri="{FF2B5EF4-FFF2-40B4-BE49-F238E27FC236}">
-                <a16:creationId xmlns:a16="http://schemas.microsoft.com/office/drawing/2014/main" xmlns="" id="{BA1062D9-5600-154E-A452-F2C2D4AFC94F}"/>
+                <a16:creationId xmlns="" xmlns:a16="http://schemas.microsoft.com/office/drawing/2014/main" id="{BA1062D9-5600-154E-A452-F2C2D4AFC94F}"/>
               </a:ext>
             </a:extLst>
           </p:cNvPr>
@@ -3602,7 +3602,7 @@
           <p:cNvPr id="5" name="Date Placeholder 4">
             <a:extLst>
               <a:ext uri="{FF2B5EF4-FFF2-40B4-BE49-F238E27FC236}">
-                <a16:creationId xmlns:a16="http://schemas.microsoft.com/office/drawing/2014/main" xmlns="" id="{34D168B1-1FAB-E942-B6ED-55BB23E10956}"/>
+                <a16:creationId xmlns="" xmlns:a16="http://schemas.microsoft.com/office/drawing/2014/main" id="{34D168B1-1FAB-E942-B6ED-55BB23E10956}"/>
               </a:ext>
             </a:extLst>
           </p:cNvPr>
@@ -3620,7 +3620,7 @@
           <a:p>
             <a:fld id="{A821AF8D-EA27-A940-BB27-147E164DA6E4}" type="datetimeFigureOut">
               <a:rPr lang="en-US" smtClean="0"/>
-              <a:t>9/12/20</a:t>
+              <a:t>10/11/20</a:t>
             </a:fld>
             <a:endParaRPr lang="en-US"/>
           </a:p>
@@ -3631,7 +3631,7 @@
           <p:cNvPr id="6" name="Footer Placeholder 5">
             <a:extLst>
               <a:ext uri="{FF2B5EF4-FFF2-40B4-BE49-F238E27FC236}">
-                <a16:creationId xmlns:a16="http://schemas.microsoft.com/office/drawing/2014/main" xmlns="" id="{1CF0FA1C-B8DF-C246-A650-C7281E1054C5}"/>
+                <a16:creationId xmlns="" xmlns:a16="http://schemas.microsoft.com/office/drawing/2014/main" id="{1CF0FA1C-B8DF-C246-A650-C7281E1054C5}"/>
               </a:ext>
             </a:extLst>
           </p:cNvPr>
@@ -3656,7 +3656,7 @@
           <p:cNvPr id="7" name="Slide Number Placeholder 6">
             <a:extLst>
               <a:ext uri="{FF2B5EF4-FFF2-40B4-BE49-F238E27FC236}">
-                <a16:creationId xmlns:a16="http://schemas.microsoft.com/office/drawing/2014/main" xmlns="" id="{20AECDB3-D9B8-D542-9026-2BEE4302E9D5}"/>
+                <a16:creationId xmlns="" xmlns:a16="http://schemas.microsoft.com/office/drawing/2014/main" id="{20AECDB3-D9B8-D542-9026-2BEE4302E9D5}"/>
               </a:ext>
             </a:extLst>
           </p:cNvPr>
@@ -3720,7 +3720,7 @@
           <p:cNvPr id="2" name="Title Placeholder 1">
             <a:extLst>
               <a:ext uri="{FF2B5EF4-FFF2-40B4-BE49-F238E27FC236}">
-                <a16:creationId xmlns:a16="http://schemas.microsoft.com/office/drawing/2014/main" xmlns="" id="{4A65BC0C-19BC-2549-8995-7E8B378E17D2}"/>
+                <a16:creationId xmlns="" xmlns:a16="http://schemas.microsoft.com/office/drawing/2014/main" id="{4A65BC0C-19BC-2549-8995-7E8B378E17D2}"/>
               </a:ext>
             </a:extLst>
           </p:cNvPr>
@@ -3758,7 +3758,7 @@
           <p:cNvPr id="3" name="Text Placeholder 2">
             <a:extLst>
               <a:ext uri="{FF2B5EF4-FFF2-40B4-BE49-F238E27FC236}">
-                <a16:creationId xmlns:a16="http://schemas.microsoft.com/office/drawing/2014/main" xmlns="" id="{71552650-696F-2547-A413-E3ECFAA92E2A}"/>
+                <a16:creationId xmlns="" xmlns:a16="http://schemas.microsoft.com/office/drawing/2014/main" id="{71552650-696F-2547-A413-E3ECFAA92E2A}"/>
               </a:ext>
             </a:extLst>
           </p:cNvPr>
@@ -3825,7 +3825,7 @@
           <p:cNvPr id="4" name="Date Placeholder 3">
             <a:extLst>
               <a:ext uri="{FF2B5EF4-FFF2-40B4-BE49-F238E27FC236}">
-                <a16:creationId xmlns:a16="http://schemas.microsoft.com/office/drawing/2014/main" xmlns="" id="{BBE2F41E-2A35-E244-B0E9-0F2D42D70907}"/>
+                <a16:creationId xmlns="" xmlns:a16="http://schemas.microsoft.com/office/drawing/2014/main" id="{BBE2F41E-2A35-E244-B0E9-0F2D42D70907}"/>
               </a:ext>
             </a:extLst>
           </p:cNvPr>
@@ -3861,7 +3861,7 @@
           <a:p>
             <a:fld id="{A821AF8D-EA27-A940-BB27-147E164DA6E4}" type="datetimeFigureOut">
               <a:rPr lang="en-US" smtClean="0"/>
-              <a:t>9/12/20</a:t>
+              <a:t>10/11/20</a:t>
             </a:fld>
             <a:endParaRPr lang="en-US"/>
           </a:p>
@@ -3872,7 +3872,7 @@
           <p:cNvPr id="5" name="Footer Placeholder 4">
             <a:extLst>
               <a:ext uri="{FF2B5EF4-FFF2-40B4-BE49-F238E27FC236}">
-                <a16:creationId xmlns:a16="http://schemas.microsoft.com/office/drawing/2014/main" xmlns="" id="{4379C32E-1905-7147-84E6-47A918D822B0}"/>
+                <a16:creationId xmlns="" xmlns:a16="http://schemas.microsoft.com/office/drawing/2014/main" id="{4379C32E-1905-7147-84E6-47A918D822B0}"/>
               </a:ext>
             </a:extLst>
           </p:cNvPr>
@@ -3915,7 +3915,7 @@
           <p:cNvPr id="6" name="Slide Number Placeholder 5">
             <a:extLst>
               <a:ext uri="{FF2B5EF4-FFF2-40B4-BE49-F238E27FC236}">
-                <a16:creationId xmlns:a16="http://schemas.microsoft.com/office/drawing/2014/main" xmlns="" id="{807A4420-334A-5B41-876F-C8F61186E1C0}"/>
+                <a16:creationId xmlns="" xmlns:a16="http://schemas.microsoft.com/office/drawing/2014/main" id="{807A4420-334A-5B41-876F-C8F61186E1C0}"/>
               </a:ext>
             </a:extLst>
           </p:cNvPr>
@@ -4334,15 +4334,7 @@
                 <a:ea typeface="Times New Roman" charset="0"/>
                 <a:cs typeface="Times New Roman" charset="0"/>
               </a:rPr>
-              <a:t>Unit </a:t>
-            </a:r>
-            <a:r>
-              <a:rPr lang="en-US" sz="3600" b="1" dirty="0">
-                <a:latin typeface="Times New Roman" charset="0"/>
-                <a:ea typeface="Times New Roman" charset="0"/>
-                <a:cs typeface="Times New Roman" charset="0"/>
-              </a:rPr>
-              <a:t>8: </a:t>
+              <a:t>Unit 8: </a:t>
             </a:r>
             <a:r>
               <a:rPr lang="en-US" sz="3600" b="1" dirty="0" err="1">
@@ -4420,15 +4412,7 @@
                 <a:ea typeface="Times New Roman" charset="0"/>
                 <a:cs typeface="Times New Roman" charset="0"/>
               </a:rPr>
-              <a:t>Developed by </a:t>
-            </a:r>
-            <a:r>
-              <a:rPr lang="en-US" sz="3600" i="1" dirty="0">
-                <a:latin typeface="Times New Roman" charset="0"/>
-                <a:ea typeface="Times New Roman" charset="0"/>
-                <a:cs typeface="Times New Roman" charset="0"/>
-              </a:rPr>
-              <a:t>Justin </a:t>
+              <a:t>Developed by Justin </a:t>
             </a:r>
             <a:r>
               <a:rPr lang="en-US" sz="3600" i="1" dirty="0" err="1" smtClean="0">
@@ -4514,10 +4498,10 @@
           <p:cNvPr id="10" name="Rectangle 9">
             <a:extLst>
               <a:ext uri="{FF2B5EF4-FFF2-40B4-BE49-F238E27FC236}">
-                <a16:creationId xmlns:a16="http://schemas.microsoft.com/office/drawing/2014/main" xmlns="" id="{3A4F209C-C20E-4FA7-B241-1EF4F8D193B2}"/>
+                <a16:creationId xmlns="" xmlns:a16="http://schemas.microsoft.com/office/drawing/2014/main" id="{3A4F209C-C20E-4FA7-B241-1EF4F8D193B2}"/>
               </a:ext>
               <a:ext uri="{C183D7F6-B498-43B3-948B-1728B52AA6E4}">
-                <adec:decorative xmlns:adec="http://schemas.microsoft.com/office/drawing/2017/decorative" xmlns="" val="1"/>
+                <adec:decorative xmlns="" xmlns:adec="http://schemas.microsoft.com/office/drawing/2017/decorative" val="1"/>
               </a:ext>
             </a:extLst>
           </p:cNvPr>
@@ -4606,10 +4590,10 @@
           <p:cNvPr id="12" name="Rectangle 11">
             <a:extLst>
               <a:ext uri="{FF2B5EF4-FFF2-40B4-BE49-F238E27FC236}">
-                <a16:creationId xmlns:a16="http://schemas.microsoft.com/office/drawing/2014/main" xmlns="" id="{E4564234-45B0-4ED8-A9E2-199C00173276}"/>
+                <a16:creationId xmlns="" xmlns:a16="http://schemas.microsoft.com/office/drawing/2014/main" id="{E4564234-45B0-4ED8-A9E2-199C00173276}"/>
               </a:ext>
               <a:ext uri="{C183D7F6-B498-43B3-948B-1728B52AA6E4}">
-                <adec:decorative xmlns:adec="http://schemas.microsoft.com/office/drawing/2017/decorative" xmlns="" val="1"/>
+                <adec:decorative xmlns="" xmlns:adec="http://schemas.microsoft.com/office/drawing/2017/decorative" val="1"/>
               </a:ext>
             </a:extLst>
           </p:cNvPr>
@@ -4695,7 +4679,7 @@
           <p:cNvPr id="2" name="Title 1">
             <a:extLst>
               <a:ext uri="{FF2B5EF4-FFF2-40B4-BE49-F238E27FC236}">
-                <a16:creationId xmlns:a16="http://schemas.microsoft.com/office/drawing/2014/main" xmlns="" id="{12AE96A0-ED8F-624C-A189-18C57DFFC328}"/>
+                <a16:creationId xmlns="" xmlns:a16="http://schemas.microsoft.com/office/drawing/2014/main" id="{12AE96A0-ED8F-624C-A189-18C57DFFC328}"/>
               </a:ext>
             </a:extLst>
           </p:cNvPr>
@@ -4739,7 +4723,7 @@
               <p:cNvPr id="5" name="Content Placeholder 4">
                 <a:extLst>
                   <a:ext uri="{FF2B5EF4-FFF2-40B4-BE49-F238E27FC236}">
-                    <a16:creationId xmlns:a16="http://schemas.microsoft.com/office/drawing/2014/main" xmlns="" id="{D709A5CC-AC22-0340-8F44-73A8C271AE35}"/>
+                    <a16:creationId xmlns="" xmlns:a16="http://schemas.microsoft.com/office/drawing/2014/main" id="{D709A5CC-AC22-0340-8F44-73A8C271AE35}"/>
                   </a:ext>
                 </a:extLst>
               </p:cNvPr>
@@ -6209,10 +6193,10 @@
           <p:cNvPr id="10" name="Rectangle 9">
             <a:extLst>
               <a:ext uri="{FF2B5EF4-FFF2-40B4-BE49-F238E27FC236}">
-                <a16:creationId xmlns:a16="http://schemas.microsoft.com/office/drawing/2014/main" xmlns="" id="{3A4F209C-C20E-4FA7-B241-1EF4F8D193B2}"/>
+                <a16:creationId xmlns="" xmlns:a16="http://schemas.microsoft.com/office/drawing/2014/main" id="{3A4F209C-C20E-4FA7-B241-1EF4F8D193B2}"/>
               </a:ext>
               <a:ext uri="{C183D7F6-B498-43B3-948B-1728B52AA6E4}">
-                <adec:decorative xmlns:adec="http://schemas.microsoft.com/office/drawing/2017/decorative" xmlns="" val="1"/>
+                <adec:decorative xmlns="" xmlns:adec="http://schemas.microsoft.com/office/drawing/2017/decorative" val="1"/>
               </a:ext>
             </a:extLst>
           </p:cNvPr>
@@ -6301,10 +6285,10 @@
           <p:cNvPr id="12" name="Rectangle 11">
             <a:extLst>
               <a:ext uri="{FF2B5EF4-FFF2-40B4-BE49-F238E27FC236}">
-                <a16:creationId xmlns:a16="http://schemas.microsoft.com/office/drawing/2014/main" xmlns="" id="{E4564234-45B0-4ED8-A9E2-199C00173276}"/>
+                <a16:creationId xmlns="" xmlns:a16="http://schemas.microsoft.com/office/drawing/2014/main" id="{E4564234-45B0-4ED8-A9E2-199C00173276}"/>
               </a:ext>
               <a:ext uri="{C183D7F6-B498-43B3-948B-1728B52AA6E4}">
-                <adec:decorative xmlns:adec="http://schemas.microsoft.com/office/drawing/2017/decorative" xmlns="" val="1"/>
+                <adec:decorative xmlns="" xmlns:adec="http://schemas.microsoft.com/office/drawing/2017/decorative" val="1"/>
               </a:ext>
             </a:extLst>
           </p:cNvPr>
@@ -6390,7 +6374,7 @@
           <p:cNvPr id="2" name="Title 1">
             <a:extLst>
               <a:ext uri="{FF2B5EF4-FFF2-40B4-BE49-F238E27FC236}">
-                <a16:creationId xmlns:a16="http://schemas.microsoft.com/office/drawing/2014/main" xmlns="" id="{12AE96A0-ED8F-624C-A189-18C57DFFC328}"/>
+                <a16:creationId xmlns="" xmlns:a16="http://schemas.microsoft.com/office/drawing/2014/main" id="{12AE96A0-ED8F-624C-A189-18C57DFFC328}"/>
               </a:ext>
             </a:extLst>
           </p:cNvPr>
@@ -6432,7 +6416,7 @@
           <p:cNvPr id="5" name="Content Placeholder 4">
             <a:extLst>
               <a:ext uri="{FF2B5EF4-FFF2-40B4-BE49-F238E27FC236}">
-                <a16:creationId xmlns:a16="http://schemas.microsoft.com/office/drawing/2014/main" xmlns="" id="{D709A5CC-AC22-0340-8F44-73A8C271AE35}"/>
+                <a16:creationId xmlns="" xmlns:a16="http://schemas.microsoft.com/office/drawing/2014/main" id="{D709A5CC-AC22-0340-8F44-73A8C271AE35}"/>
               </a:ext>
             </a:extLst>
           </p:cNvPr>
@@ -6710,7 +6694,7 @@
           <p:cNvPr id="2" name="Title 1">
             <a:extLst>
               <a:ext uri="{FF2B5EF4-FFF2-40B4-BE49-F238E27FC236}">
-                <a16:creationId xmlns:a16="http://schemas.microsoft.com/office/drawing/2014/main" xmlns="" id="{12AE96A0-ED8F-624C-A189-18C57DFFC328}"/>
+                <a16:creationId xmlns="" xmlns:a16="http://schemas.microsoft.com/office/drawing/2014/main" id="{12AE96A0-ED8F-624C-A189-18C57DFFC328}"/>
               </a:ext>
             </a:extLst>
           </p:cNvPr>
@@ -6786,7 +6770,7 @@
           <p:cNvPr id="2" name="Title 1">
             <a:extLst>
               <a:ext uri="{FF2B5EF4-FFF2-40B4-BE49-F238E27FC236}">
-                <a16:creationId xmlns:a16="http://schemas.microsoft.com/office/drawing/2014/main" xmlns="" id="{AD203B07-CB94-C543-8FED-3C2B518FCA0D}"/>
+                <a16:creationId xmlns="" xmlns:a16="http://schemas.microsoft.com/office/drawing/2014/main" id="{AD203B07-CB94-C543-8FED-3C2B518FCA0D}"/>
               </a:ext>
             </a:extLst>
           </p:cNvPr>
@@ -6821,7 +6805,7 @@
           <p:cNvPr id="3" name="Content Placeholder 2">
             <a:extLst>
               <a:ext uri="{FF2B5EF4-FFF2-40B4-BE49-F238E27FC236}">
-                <a16:creationId xmlns:a16="http://schemas.microsoft.com/office/drawing/2014/main" xmlns="" id="{4E4B41E3-9411-4142-90D8-7B1BB45F2911}"/>
+                <a16:creationId xmlns="" xmlns:a16="http://schemas.microsoft.com/office/drawing/2014/main" id="{4E4B41E3-9411-4142-90D8-7B1BB45F2911}"/>
               </a:ext>
             </a:extLst>
           </p:cNvPr>
@@ -6908,10 +6892,10 @@
           <p:cNvPr id="29" name="Rectangle 28">
             <a:extLst>
               <a:ext uri="{FF2B5EF4-FFF2-40B4-BE49-F238E27FC236}">
-                <a16:creationId xmlns:a16="http://schemas.microsoft.com/office/drawing/2014/main" xmlns="" id="{293F5FFF-2AE2-424B-BE21-49AFFEF68811}"/>
+                <a16:creationId xmlns="" xmlns:a16="http://schemas.microsoft.com/office/drawing/2014/main" id="{293F5FFF-2AE2-424B-BE21-49AFFEF68811}"/>
               </a:ext>
               <a:ext uri="{C183D7F6-B498-43B3-948B-1728B52AA6E4}">
-                <adec:decorative xmlns:adec="http://schemas.microsoft.com/office/drawing/2017/decorative" xmlns="" val="1"/>
+                <adec:decorative xmlns="" xmlns:adec="http://schemas.microsoft.com/office/drawing/2017/decorative" val="1"/>
               </a:ext>
             </a:extLst>
           </p:cNvPr>
@@ -7000,7 +6984,7 @@
           <p:cNvPr id="8" name="Content Placeholder 2">
             <a:extLst>
               <a:ext uri="{FF2B5EF4-FFF2-40B4-BE49-F238E27FC236}">
-                <a16:creationId xmlns:a16="http://schemas.microsoft.com/office/drawing/2014/main" xmlns="" id="{229BC5D3-C8D7-1C49-9F9C-0B3BF35AFBE4}"/>
+                <a16:creationId xmlns="" xmlns:a16="http://schemas.microsoft.com/office/drawing/2014/main" id="{229BC5D3-C8D7-1C49-9F9C-0B3BF35AFBE4}"/>
               </a:ext>
             </a:extLst>
           </p:cNvPr>
@@ -8183,7 +8167,7 @@
           <p:cNvPr id="2" name="Title 1">
             <a:extLst>
               <a:ext uri="{FF2B5EF4-FFF2-40B4-BE49-F238E27FC236}">
-                <a16:creationId xmlns:a16="http://schemas.microsoft.com/office/drawing/2014/main" xmlns="" id="{AD203B07-CB94-C543-8FED-3C2B518FCA0D}"/>
+                <a16:creationId xmlns="" xmlns:a16="http://schemas.microsoft.com/office/drawing/2014/main" id="{AD203B07-CB94-C543-8FED-3C2B518FCA0D}"/>
               </a:ext>
             </a:extLst>
           </p:cNvPr>
@@ -8218,7 +8202,7 @@
           <p:cNvPr id="3" name="Content Placeholder 2">
             <a:extLst>
               <a:ext uri="{FF2B5EF4-FFF2-40B4-BE49-F238E27FC236}">
-                <a16:creationId xmlns:a16="http://schemas.microsoft.com/office/drawing/2014/main" xmlns="" id="{4E4B41E3-9411-4142-90D8-7B1BB45F2911}"/>
+                <a16:creationId xmlns="" xmlns:a16="http://schemas.microsoft.com/office/drawing/2014/main" id="{4E4B41E3-9411-4142-90D8-7B1BB45F2911}"/>
               </a:ext>
             </a:extLst>
           </p:cNvPr>
@@ -8286,10 +8270,10 @@
           <p:cNvPr id="29" name="Rectangle 28">
             <a:extLst>
               <a:ext uri="{FF2B5EF4-FFF2-40B4-BE49-F238E27FC236}">
-                <a16:creationId xmlns:a16="http://schemas.microsoft.com/office/drawing/2014/main" xmlns="" id="{293F5FFF-2AE2-424B-BE21-49AFFEF68811}"/>
+                <a16:creationId xmlns="" xmlns:a16="http://schemas.microsoft.com/office/drawing/2014/main" id="{293F5FFF-2AE2-424B-BE21-49AFFEF68811}"/>
               </a:ext>
               <a:ext uri="{C183D7F6-B498-43B3-948B-1728B52AA6E4}">
-                <adec:decorative xmlns:adec="http://schemas.microsoft.com/office/drawing/2017/decorative" xmlns="" val="1"/>
+                <adec:decorative xmlns="" xmlns:adec="http://schemas.microsoft.com/office/drawing/2017/decorative" val="1"/>
               </a:ext>
             </a:extLst>
           </p:cNvPr>
@@ -8378,7 +8362,7 @@
           <p:cNvPr id="8" name="Content Placeholder 2">
             <a:extLst>
               <a:ext uri="{FF2B5EF4-FFF2-40B4-BE49-F238E27FC236}">
-                <a16:creationId xmlns:a16="http://schemas.microsoft.com/office/drawing/2014/main" xmlns="" id="{229BC5D3-C8D7-1C49-9F9C-0B3BF35AFBE4}"/>
+                <a16:creationId xmlns="" xmlns:a16="http://schemas.microsoft.com/office/drawing/2014/main" id="{229BC5D3-C8D7-1C49-9F9C-0B3BF35AFBE4}"/>
               </a:ext>
             </a:extLst>
           </p:cNvPr>
@@ -9092,10 +9076,10 @@
           <p:cNvPr id="10" name="Rectangle 9">
             <a:extLst>
               <a:ext uri="{FF2B5EF4-FFF2-40B4-BE49-F238E27FC236}">
-                <a16:creationId xmlns:a16="http://schemas.microsoft.com/office/drawing/2014/main" xmlns="" id="{3A4F209C-C20E-4FA7-B241-1EF4F8D193B2}"/>
+                <a16:creationId xmlns="" xmlns:a16="http://schemas.microsoft.com/office/drawing/2014/main" id="{3A4F209C-C20E-4FA7-B241-1EF4F8D193B2}"/>
               </a:ext>
               <a:ext uri="{C183D7F6-B498-43B3-948B-1728B52AA6E4}">
-                <adec:decorative xmlns:adec="http://schemas.microsoft.com/office/drawing/2017/decorative" xmlns="" val="1"/>
+                <adec:decorative xmlns="" xmlns:adec="http://schemas.microsoft.com/office/drawing/2017/decorative" val="1"/>
               </a:ext>
             </a:extLst>
           </p:cNvPr>
@@ -9184,10 +9168,10 @@
           <p:cNvPr id="12" name="Rectangle 11">
             <a:extLst>
               <a:ext uri="{FF2B5EF4-FFF2-40B4-BE49-F238E27FC236}">
-                <a16:creationId xmlns:a16="http://schemas.microsoft.com/office/drawing/2014/main" xmlns="" id="{E4564234-45B0-4ED8-A9E2-199C00173276}"/>
+                <a16:creationId xmlns="" xmlns:a16="http://schemas.microsoft.com/office/drawing/2014/main" id="{E4564234-45B0-4ED8-A9E2-199C00173276}"/>
               </a:ext>
               <a:ext uri="{C183D7F6-B498-43B3-948B-1728B52AA6E4}">
-                <adec:decorative xmlns:adec="http://schemas.microsoft.com/office/drawing/2017/decorative" xmlns="" val="1"/>
+                <adec:decorative xmlns="" xmlns:adec="http://schemas.microsoft.com/office/drawing/2017/decorative" val="1"/>
               </a:ext>
             </a:extLst>
           </p:cNvPr>
@@ -9273,7 +9257,7 @@
           <p:cNvPr id="2" name="Title 1">
             <a:extLst>
               <a:ext uri="{FF2B5EF4-FFF2-40B4-BE49-F238E27FC236}">
-                <a16:creationId xmlns:a16="http://schemas.microsoft.com/office/drawing/2014/main" xmlns="" id="{12AE96A0-ED8F-624C-A189-18C57DFFC328}"/>
+                <a16:creationId xmlns="" xmlns:a16="http://schemas.microsoft.com/office/drawing/2014/main" id="{12AE96A0-ED8F-624C-A189-18C57DFFC328}"/>
               </a:ext>
             </a:extLst>
           </p:cNvPr>
@@ -9315,7 +9299,7 @@
           <p:cNvPr id="5" name="Content Placeholder 4">
             <a:extLst>
               <a:ext uri="{FF2B5EF4-FFF2-40B4-BE49-F238E27FC236}">
-                <a16:creationId xmlns:a16="http://schemas.microsoft.com/office/drawing/2014/main" xmlns="" id="{D709A5CC-AC22-0340-8F44-73A8C271AE35}"/>
+                <a16:creationId xmlns="" xmlns:a16="http://schemas.microsoft.com/office/drawing/2014/main" id="{D709A5CC-AC22-0340-8F44-73A8C271AE35}"/>
               </a:ext>
             </a:extLst>
           </p:cNvPr>
@@ -9422,7 +9406,7 @@
           <p:cNvPr id="3" name="Table 2">
             <a:extLst>
               <a:ext uri="{FF2B5EF4-FFF2-40B4-BE49-F238E27FC236}">
-                <a16:creationId xmlns:a16="http://schemas.microsoft.com/office/drawing/2014/main" xmlns="" id="{385C4C53-BAA6-6B4F-92C2-0829D71A6D27}"/>
+                <a16:creationId xmlns="" xmlns:a16="http://schemas.microsoft.com/office/drawing/2014/main" id="{385C4C53-BAA6-6B4F-92C2-0829D71A6D27}"/>
               </a:ext>
             </a:extLst>
           </p:cNvPr>
@@ -9451,21 +9435,21 @@
                 <a:gridCol w="2709333">
                   <a:extLst>
                     <a:ext uri="{9D8B030D-6E8A-4147-A177-3AD203B41FA5}">
-                      <a16:colId xmlns:a16="http://schemas.microsoft.com/office/drawing/2014/main" xmlns="" val="3128613816"/>
+                      <a16:colId xmlns="" xmlns:a16="http://schemas.microsoft.com/office/drawing/2014/main" val="3128613816"/>
                     </a:ext>
                   </a:extLst>
                 </a:gridCol>
                 <a:gridCol w="2709333">
                   <a:extLst>
                     <a:ext uri="{9D8B030D-6E8A-4147-A177-3AD203B41FA5}">
-                      <a16:colId xmlns:a16="http://schemas.microsoft.com/office/drawing/2014/main" xmlns="" val="936682656"/>
+                      <a16:colId xmlns="" xmlns:a16="http://schemas.microsoft.com/office/drawing/2014/main" val="936682656"/>
                     </a:ext>
                   </a:extLst>
                 </a:gridCol>
                 <a:gridCol w="2709333">
                   <a:extLst>
                     <a:ext uri="{9D8B030D-6E8A-4147-A177-3AD203B41FA5}">
-                      <a16:colId xmlns:a16="http://schemas.microsoft.com/office/drawing/2014/main" xmlns="" val="1454602897"/>
+                      <a16:colId xmlns="" xmlns:a16="http://schemas.microsoft.com/office/drawing/2014/main" val="1454602897"/>
                     </a:ext>
                   </a:extLst>
                 </a:gridCol>
@@ -9528,7 +9512,7 @@
                 </a:tc>
                 <a:extLst>
                   <a:ext uri="{0D108BD9-81ED-4DB2-BD59-A6C34878D82A}">
-                    <a16:rowId xmlns:a16="http://schemas.microsoft.com/office/drawing/2014/main" xmlns="" val="1817702652"/>
+                    <a16:rowId xmlns="" xmlns:a16="http://schemas.microsoft.com/office/drawing/2014/main" val="1817702652"/>
                   </a:ext>
                 </a:extLst>
               </a:tr>
@@ -9583,7 +9567,7 @@
                 </a:tc>
                 <a:extLst>
                   <a:ext uri="{0D108BD9-81ED-4DB2-BD59-A6C34878D82A}">
-                    <a16:rowId xmlns:a16="http://schemas.microsoft.com/office/drawing/2014/main" xmlns="" val="452981392"/>
+                    <a16:rowId xmlns="" xmlns:a16="http://schemas.microsoft.com/office/drawing/2014/main" val="452981392"/>
                   </a:ext>
                 </a:extLst>
               </a:tr>
@@ -9641,7 +9625,7 @@
                 </a:tc>
                 <a:extLst>
                   <a:ext uri="{0D108BD9-81ED-4DB2-BD59-A6C34878D82A}">
-                    <a16:rowId xmlns:a16="http://schemas.microsoft.com/office/drawing/2014/main" xmlns="" val="3483568158"/>
+                    <a16:rowId xmlns="" xmlns:a16="http://schemas.microsoft.com/office/drawing/2014/main" val="3483568158"/>
                   </a:ext>
                 </a:extLst>
               </a:tr>
@@ -9695,7 +9679,7 @@
                 </a:tc>
                 <a:extLst>
                   <a:ext uri="{0D108BD9-81ED-4DB2-BD59-A6C34878D82A}">
-                    <a16:rowId xmlns:a16="http://schemas.microsoft.com/office/drawing/2014/main" xmlns="" val="1980686529"/>
+                    <a16:rowId xmlns="" xmlns:a16="http://schemas.microsoft.com/office/drawing/2014/main" val="1980686529"/>
                   </a:ext>
                 </a:extLst>
               </a:tr>
@@ -9746,7 +9730,7 @@
           <p:cNvPr id="2" name="Title 1">
             <a:extLst>
               <a:ext uri="{FF2B5EF4-FFF2-40B4-BE49-F238E27FC236}">
-                <a16:creationId xmlns:a16="http://schemas.microsoft.com/office/drawing/2014/main" xmlns="" id="{AD203B07-CB94-C543-8FED-3C2B518FCA0D}"/>
+                <a16:creationId xmlns="" xmlns:a16="http://schemas.microsoft.com/office/drawing/2014/main" id="{AD203B07-CB94-C543-8FED-3C2B518FCA0D}"/>
               </a:ext>
             </a:extLst>
           </p:cNvPr>
@@ -9781,7 +9765,7 @@
           <p:cNvPr id="3" name="Content Placeholder 2">
             <a:extLst>
               <a:ext uri="{FF2B5EF4-FFF2-40B4-BE49-F238E27FC236}">
-                <a16:creationId xmlns:a16="http://schemas.microsoft.com/office/drawing/2014/main" xmlns="" id="{4E4B41E3-9411-4142-90D8-7B1BB45F2911}"/>
+                <a16:creationId xmlns="" xmlns:a16="http://schemas.microsoft.com/office/drawing/2014/main" id="{4E4B41E3-9411-4142-90D8-7B1BB45F2911}"/>
               </a:ext>
             </a:extLst>
           </p:cNvPr>
@@ -9838,10 +9822,10 @@
           <p:cNvPr id="29" name="Rectangle 28">
             <a:extLst>
               <a:ext uri="{FF2B5EF4-FFF2-40B4-BE49-F238E27FC236}">
-                <a16:creationId xmlns:a16="http://schemas.microsoft.com/office/drawing/2014/main" xmlns="" id="{293F5FFF-2AE2-424B-BE21-49AFFEF68811}"/>
+                <a16:creationId xmlns="" xmlns:a16="http://schemas.microsoft.com/office/drawing/2014/main" id="{293F5FFF-2AE2-424B-BE21-49AFFEF68811}"/>
               </a:ext>
               <a:ext uri="{C183D7F6-B498-43B3-948B-1728B52AA6E4}">
-                <adec:decorative xmlns:adec="http://schemas.microsoft.com/office/drawing/2017/decorative" xmlns="" val="1"/>
+                <adec:decorative xmlns="" xmlns:adec="http://schemas.microsoft.com/office/drawing/2017/decorative" val="1"/>
               </a:ext>
             </a:extLst>
           </p:cNvPr>
@@ -9930,7 +9914,7 @@
           <p:cNvPr id="8" name="Content Placeholder 2">
             <a:extLst>
               <a:ext uri="{FF2B5EF4-FFF2-40B4-BE49-F238E27FC236}">
-                <a16:creationId xmlns:a16="http://schemas.microsoft.com/office/drawing/2014/main" xmlns="" id="{229BC5D3-C8D7-1C49-9F9C-0B3BF35AFBE4}"/>
+                <a16:creationId xmlns="" xmlns:a16="http://schemas.microsoft.com/office/drawing/2014/main" id="{229BC5D3-C8D7-1C49-9F9C-0B3BF35AFBE4}"/>
               </a:ext>
             </a:extLst>
           </p:cNvPr>
@@ -10724,7 +10708,7 @@
           <p:cNvPr id="2" name="Title 1">
             <a:extLst>
               <a:ext uri="{FF2B5EF4-FFF2-40B4-BE49-F238E27FC236}">
-                <a16:creationId xmlns:a16="http://schemas.microsoft.com/office/drawing/2014/main" xmlns="" id="{AD203B07-CB94-C543-8FED-3C2B518FCA0D}"/>
+                <a16:creationId xmlns="" xmlns:a16="http://schemas.microsoft.com/office/drawing/2014/main" id="{AD203B07-CB94-C543-8FED-3C2B518FCA0D}"/>
               </a:ext>
             </a:extLst>
           </p:cNvPr>
@@ -10759,7 +10743,7 @@
           <p:cNvPr id="3" name="Content Placeholder 2">
             <a:extLst>
               <a:ext uri="{FF2B5EF4-FFF2-40B4-BE49-F238E27FC236}">
-                <a16:creationId xmlns:a16="http://schemas.microsoft.com/office/drawing/2014/main" xmlns="" id="{4E4B41E3-9411-4142-90D8-7B1BB45F2911}"/>
+                <a16:creationId xmlns="" xmlns:a16="http://schemas.microsoft.com/office/drawing/2014/main" id="{4E4B41E3-9411-4142-90D8-7B1BB45F2911}"/>
               </a:ext>
             </a:extLst>
           </p:cNvPr>
@@ -10824,10 +10808,10 @@
           <p:cNvPr id="29" name="Rectangle 28">
             <a:extLst>
               <a:ext uri="{FF2B5EF4-FFF2-40B4-BE49-F238E27FC236}">
-                <a16:creationId xmlns:a16="http://schemas.microsoft.com/office/drawing/2014/main" xmlns="" id="{293F5FFF-2AE2-424B-BE21-49AFFEF68811}"/>
+                <a16:creationId xmlns="" xmlns:a16="http://schemas.microsoft.com/office/drawing/2014/main" id="{293F5FFF-2AE2-424B-BE21-49AFFEF68811}"/>
               </a:ext>
               <a:ext uri="{C183D7F6-B498-43B3-948B-1728B52AA6E4}">
-                <adec:decorative xmlns:adec="http://schemas.microsoft.com/office/drawing/2017/decorative" xmlns="" val="1"/>
+                <adec:decorative xmlns="" xmlns:adec="http://schemas.microsoft.com/office/drawing/2017/decorative" val="1"/>
               </a:ext>
             </a:extLst>
           </p:cNvPr>
@@ -10916,7 +10900,7 @@
           <p:cNvPr id="8" name="Content Placeholder 2">
             <a:extLst>
               <a:ext uri="{FF2B5EF4-FFF2-40B4-BE49-F238E27FC236}">
-                <a16:creationId xmlns:a16="http://schemas.microsoft.com/office/drawing/2014/main" xmlns="" id="{229BC5D3-C8D7-1C49-9F9C-0B3BF35AFBE4}"/>
+                <a16:creationId xmlns="" xmlns:a16="http://schemas.microsoft.com/office/drawing/2014/main" id="{229BC5D3-C8D7-1C49-9F9C-0B3BF35AFBE4}"/>
               </a:ext>
             </a:extLst>
           </p:cNvPr>
@@ -12264,10 +12248,10 @@
           <p:cNvPr id="10" name="Rectangle 9">
             <a:extLst>
               <a:ext uri="{FF2B5EF4-FFF2-40B4-BE49-F238E27FC236}">
-                <a16:creationId xmlns:a16="http://schemas.microsoft.com/office/drawing/2014/main" xmlns="" id="{3A4F209C-C20E-4FA7-B241-1EF4F8D193B2}"/>
+                <a16:creationId xmlns="" xmlns:a16="http://schemas.microsoft.com/office/drawing/2014/main" id="{3A4F209C-C20E-4FA7-B241-1EF4F8D193B2}"/>
               </a:ext>
               <a:ext uri="{C183D7F6-B498-43B3-948B-1728B52AA6E4}">
-                <adec:decorative xmlns:adec="http://schemas.microsoft.com/office/drawing/2017/decorative" xmlns="" val="1"/>
+                <adec:decorative xmlns="" xmlns:adec="http://schemas.microsoft.com/office/drawing/2017/decorative" val="1"/>
               </a:ext>
             </a:extLst>
           </p:cNvPr>
@@ -12356,10 +12340,10 @@
           <p:cNvPr id="12" name="Rectangle 11">
             <a:extLst>
               <a:ext uri="{FF2B5EF4-FFF2-40B4-BE49-F238E27FC236}">
-                <a16:creationId xmlns:a16="http://schemas.microsoft.com/office/drawing/2014/main" xmlns="" id="{E4564234-45B0-4ED8-A9E2-199C00173276}"/>
+                <a16:creationId xmlns="" xmlns:a16="http://schemas.microsoft.com/office/drawing/2014/main" id="{E4564234-45B0-4ED8-A9E2-199C00173276}"/>
               </a:ext>
               <a:ext uri="{C183D7F6-B498-43B3-948B-1728B52AA6E4}">
-                <adec:decorative xmlns:adec="http://schemas.microsoft.com/office/drawing/2017/decorative" xmlns="" val="1"/>
+                <adec:decorative xmlns="" xmlns:adec="http://schemas.microsoft.com/office/drawing/2017/decorative" val="1"/>
               </a:ext>
             </a:extLst>
           </p:cNvPr>
@@ -12445,7 +12429,7 @@
           <p:cNvPr id="2" name="Title 1">
             <a:extLst>
               <a:ext uri="{FF2B5EF4-FFF2-40B4-BE49-F238E27FC236}">
-                <a16:creationId xmlns:a16="http://schemas.microsoft.com/office/drawing/2014/main" xmlns="" id="{12AE96A0-ED8F-624C-A189-18C57DFFC328}"/>
+                <a16:creationId xmlns="" xmlns:a16="http://schemas.microsoft.com/office/drawing/2014/main" id="{12AE96A0-ED8F-624C-A189-18C57DFFC328}"/>
               </a:ext>
             </a:extLst>
           </p:cNvPr>
@@ -12487,7 +12471,7 @@
           <p:cNvPr id="5" name="Content Placeholder 4">
             <a:extLst>
               <a:ext uri="{FF2B5EF4-FFF2-40B4-BE49-F238E27FC236}">
-                <a16:creationId xmlns:a16="http://schemas.microsoft.com/office/drawing/2014/main" xmlns="" id="{D709A5CC-AC22-0340-8F44-73A8C271AE35}"/>
+                <a16:creationId xmlns="" xmlns:a16="http://schemas.microsoft.com/office/drawing/2014/main" id="{D709A5CC-AC22-0340-8F44-73A8C271AE35}"/>
               </a:ext>
             </a:extLst>
           </p:cNvPr>
@@ -12592,7 +12576,7 @@
           <p:cNvPr id="7" name="Table 6">
             <a:extLst>
               <a:ext uri="{FF2B5EF4-FFF2-40B4-BE49-F238E27FC236}">
-                <a16:creationId xmlns:a16="http://schemas.microsoft.com/office/drawing/2014/main" xmlns="" id="{4CDCF7B7-E74E-1047-9997-10EF3E585151}"/>
+                <a16:creationId xmlns="" xmlns:a16="http://schemas.microsoft.com/office/drawing/2014/main" id="{4CDCF7B7-E74E-1047-9997-10EF3E585151}"/>
               </a:ext>
             </a:extLst>
           </p:cNvPr>
@@ -12621,28 +12605,28 @@
                 <a:gridCol w="2019738">
                   <a:extLst>
                     <a:ext uri="{9D8B030D-6E8A-4147-A177-3AD203B41FA5}">
-                      <a16:colId xmlns:a16="http://schemas.microsoft.com/office/drawing/2014/main" xmlns="" val="3128613816"/>
+                      <a16:colId xmlns="" xmlns:a16="http://schemas.microsoft.com/office/drawing/2014/main" val="3128613816"/>
                     </a:ext>
                   </a:extLst>
                 </a:gridCol>
                 <a:gridCol w="2019738">
                   <a:extLst>
                     <a:ext uri="{9D8B030D-6E8A-4147-A177-3AD203B41FA5}">
-                      <a16:colId xmlns:a16="http://schemas.microsoft.com/office/drawing/2014/main" xmlns="" val="936682656"/>
+                      <a16:colId xmlns="" xmlns:a16="http://schemas.microsoft.com/office/drawing/2014/main" val="936682656"/>
                     </a:ext>
                   </a:extLst>
                 </a:gridCol>
                 <a:gridCol w="2019738">
                   <a:extLst>
                     <a:ext uri="{9D8B030D-6E8A-4147-A177-3AD203B41FA5}">
-                      <a16:colId xmlns:a16="http://schemas.microsoft.com/office/drawing/2014/main" xmlns="" val="1454602897"/>
+                      <a16:colId xmlns="" xmlns:a16="http://schemas.microsoft.com/office/drawing/2014/main" val="1454602897"/>
                     </a:ext>
                   </a:extLst>
                 </a:gridCol>
                 <a:gridCol w="2019738">
                   <a:extLst>
                     <a:ext uri="{9D8B030D-6E8A-4147-A177-3AD203B41FA5}">
-                      <a16:colId xmlns:a16="http://schemas.microsoft.com/office/drawing/2014/main" xmlns="" val="2308813254"/>
+                      <a16:colId xmlns="" xmlns:a16="http://schemas.microsoft.com/office/drawing/2014/main" val="2308813254"/>
                     </a:ext>
                   </a:extLst>
                 </a:gridCol>
@@ -12726,7 +12710,7 @@
                 </a:tc>
                 <a:extLst>
                   <a:ext uri="{0D108BD9-81ED-4DB2-BD59-A6C34878D82A}">
-                    <a16:rowId xmlns:a16="http://schemas.microsoft.com/office/drawing/2014/main" xmlns="" val="1817702652"/>
+                    <a16:rowId xmlns="" xmlns:a16="http://schemas.microsoft.com/office/drawing/2014/main" val="1817702652"/>
                   </a:ext>
                 </a:extLst>
               </a:tr>
@@ -12815,7 +12799,7 @@
                 </a:tc>
                 <a:extLst>
                   <a:ext uri="{0D108BD9-81ED-4DB2-BD59-A6C34878D82A}">
-                    <a16:rowId xmlns:a16="http://schemas.microsoft.com/office/drawing/2014/main" xmlns="" val="452981392"/>
+                    <a16:rowId xmlns="" xmlns:a16="http://schemas.microsoft.com/office/drawing/2014/main" val="452981392"/>
                   </a:ext>
                 </a:extLst>
               </a:tr>
@@ -12933,7 +12917,7 @@
                 </a:tc>
                 <a:extLst>
                   <a:ext uri="{0D108BD9-81ED-4DB2-BD59-A6C34878D82A}">
-                    <a16:rowId xmlns:a16="http://schemas.microsoft.com/office/drawing/2014/main" xmlns="" val="3483568158"/>
+                    <a16:rowId xmlns="" xmlns:a16="http://schemas.microsoft.com/office/drawing/2014/main" val="3483568158"/>
                   </a:ext>
                 </a:extLst>
               </a:tr>
@@ -13021,7 +13005,7 @@
                 </a:tc>
                 <a:extLst>
                   <a:ext uri="{0D108BD9-81ED-4DB2-BD59-A6C34878D82A}">
-                    <a16:rowId xmlns:a16="http://schemas.microsoft.com/office/drawing/2014/main" xmlns="" val="1980686529"/>
+                    <a16:rowId xmlns="" xmlns:a16="http://schemas.microsoft.com/office/drawing/2014/main" val="1980686529"/>
                   </a:ext>
                 </a:extLst>
               </a:tr>
@@ -13072,7 +13056,7 @@
           <p:cNvPr id="2" name="Title 1">
             <a:extLst>
               <a:ext uri="{FF2B5EF4-FFF2-40B4-BE49-F238E27FC236}">
-                <a16:creationId xmlns:a16="http://schemas.microsoft.com/office/drawing/2014/main" xmlns="" id="{AD203B07-CB94-C543-8FED-3C2B518FCA0D}"/>
+                <a16:creationId xmlns="" xmlns:a16="http://schemas.microsoft.com/office/drawing/2014/main" id="{AD203B07-CB94-C543-8FED-3C2B518FCA0D}"/>
               </a:ext>
             </a:extLst>
           </p:cNvPr>
@@ -13107,7 +13091,7 @@
           <p:cNvPr id="3" name="Content Placeholder 2">
             <a:extLst>
               <a:ext uri="{FF2B5EF4-FFF2-40B4-BE49-F238E27FC236}">
-                <a16:creationId xmlns:a16="http://schemas.microsoft.com/office/drawing/2014/main" xmlns="" id="{4E4B41E3-9411-4142-90D8-7B1BB45F2911}"/>
+                <a16:creationId xmlns="" xmlns:a16="http://schemas.microsoft.com/office/drawing/2014/main" id="{4E4B41E3-9411-4142-90D8-7B1BB45F2911}"/>
               </a:ext>
             </a:extLst>
           </p:cNvPr>
@@ -13200,10 +13184,10 @@
           <p:cNvPr id="29" name="Rectangle 28">
             <a:extLst>
               <a:ext uri="{FF2B5EF4-FFF2-40B4-BE49-F238E27FC236}">
-                <a16:creationId xmlns:a16="http://schemas.microsoft.com/office/drawing/2014/main" xmlns="" id="{293F5FFF-2AE2-424B-BE21-49AFFEF68811}"/>
+                <a16:creationId xmlns="" xmlns:a16="http://schemas.microsoft.com/office/drawing/2014/main" id="{293F5FFF-2AE2-424B-BE21-49AFFEF68811}"/>
               </a:ext>
               <a:ext uri="{C183D7F6-B498-43B3-948B-1728B52AA6E4}">
-                <adec:decorative xmlns:adec="http://schemas.microsoft.com/office/drawing/2017/decorative" xmlns="" val="1"/>
+                <adec:decorative xmlns="" xmlns:adec="http://schemas.microsoft.com/office/drawing/2017/decorative" val="1"/>
               </a:ext>
             </a:extLst>
           </p:cNvPr>
@@ -13292,7 +13276,7 @@
           <p:cNvPr id="8" name="Content Placeholder 2">
             <a:extLst>
               <a:ext uri="{FF2B5EF4-FFF2-40B4-BE49-F238E27FC236}">
-                <a16:creationId xmlns:a16="http://schemas.microsoft.com/office/drawing/2014/main" xmlns="" id="{229BC5D3-C8D7-1C49-9F9C-0B3BF35AFBE4}"/>
+                <a16:creationId xmlns="" xmlns:a16="http://schemas.microsoft.com/office/drawing/2014/main" id="{229BC5D3-C8D7-1C49-9F9C-0B3BF35AFBE4}"/>
               </a:ext>
             </a:extLst>
           </p:cNvPr>
@@ -14708,7 +14692,7 @@
         </p:nvSpPr>
         <p:spPr>
           <a:xfrm>
-            <a:off x="754745" y="0"/>
+            <a:off x="754743" y="0"/>
             <a:ext cx="10682515" cy="6858000"/>
           </a:xfrm>
         </p:spPr>
@@ -14755,7 +14739,23 @@
                 <a:ea typeface="Times New Roman" charset="0"/>
                 <a:cs typeface="Times New Roman" charset="0"/>
               </a:rPr>
-              <a:t>CC BY-NC 4.0. To view a copy of this license, visit </a:t>
+              <a:t>CC </a:t>
+            </a:r>
+            <a:r>
+              <a:rPr lang="en-US" sz="2800" dirty="0">
+                <a:latin typeface="Times New Roman" charset="0"/>
+                <a:ea typeface="Times New Roman" charset="0"/>
+                <a:cs typeface="Times New Roman" charset="0"/>
+              </a:rPr>
+              <a:t>BY-SA </a:t>
+            </a:r>
+            <a:r>
+              <a:rPr lang="en-US" sz="2800" dirty="0">
+                <a:latin typeface="Times New Roman" charset="0"/>
+                <a:ea typeface="Times New Roman" charset="0"/>
+                <a:cs typeface="Times New Roman" charset="0"/>
+              </a:rPr>
+              <a:t>4.0. To view a copy of this license, visit </a:t>
             </a:r>
             <a:r>
               <a:rPr lang="en-US" sz="2800" dirty="0">
@@ -14764,7 +14764,16 @@
                 <a:cs typeface="Times New Roman" charset="0"/>
                 <a:hlinkClick r:id="rId2"/>
               </a:rPr>
-              <a:t>https://creativecommons.org/licenses/by-nc/4.0</a:t>
+              <a:t>https://</a:t>
+            </a:r>
+            <a:r>
+              <a:rPr lang="en-US" sz="2800" dirty="0">
+                <a:latin typeface="Times New Roman" charset="0"/>
+                <a:ea typeface="Times New Roman" charset="0"/>
+                <a:cs typeface="Times New Roman" charset="0"/>
+                <a:hlinkClick r:id="rId2"/>
+              </a:rPr>
+              <a:t>creativecommons.org/licenses/by-sa/4.0</a:t>
             </a:r>
             <a:r>
               <a:rPr lang="en-US" sz="2800" dirty="0">
@@ -14918,20 +14927,13 @@
     </p:spTree>
     <p:extLst>
       <p:ext uri="{BB962C8B-B14F-4D97-AF65-F5344CB8AC3E}">
-        <p14:creationId xmlns:p14="http://schemas.microsoft.com/office/powerpoint/2010/main" val="540377598"/>
+        <p14:creationId xmlns:p14="http://schemas.microsoft.com/office/powerpoint/2010/main" val="662832623"/>
       </p:ext>
     </p:extLst>
   </p:cSld>
   <p:clrMapOvr>
     <a:masterClrMapping/>
   </p:clrMapOvr>
-  <p:timing>
-    <p:tnLst>
-      <p:par>
-        <p:cTn id="1" dur="indefinite" restart="never" nodeType="tmRoot"/>
-      </p:par>
-    </p:tnLst>
-  </p:timing>
 </p:sld>
 </file>
 
@@ -14965,10 +14967,10 @@
           <p:cNvPr id="10" name="Rectangle 9">
             <a:extLst>
               <a:ext uri="{FF2B5EF4-FFF2-40B4-BE49-F238E27FC236}">
-                <a16:creationId xmlns:a16="http://schemas.microsoft.com/office/drawing/2014/main" xmlns="" id="{3A4F209C-C20E-4FA7-B241-1EF4F8D193B2}"/>
+                <a16:creationId xmlns="" xmlns:a16="http://schemas.microsoft.com/office/drawing/2014/main" id="{3A4F209C-C20E-4FA7-B241-1EF4F8D193B2}"/>
               </a:ext>
               <a:ext uri="{C183D7F6-B498-43B3-948B-1728B52AA6E4}">
-                <adec:decorative xmlns:adec="http://schemas.microsoft.com/office/drawing/2017/decorative" xmlns="" val="1"/>
+                <adec:decorative xmlns="" xmlns:adec="http://schemas.microsoft.com/office/drawing/2017/decorative" val="1"/>
               </a:ext>
             </a:extLst>
           </p:cNvPr>
@@ -15057,10 +15059,10 @@
           <p:cNvPr id="12" name="Rectangle 11">
             <a:extLst>
               <a:ext uri="{FF2B5EF4-FFF2-40B4-BE49-F238E27FC236}">
-                <a16:creationId xmlns:a16="http://schemas.microsoft.com/office/drawing/2014/main" xmlns="" id="{E4564234-45B0-4ED8-A9E2-199C00173276}"/>
+                <a16:creationId xmlns="" xmlns:a16="http://schemas.microsoft.com/office/drawing/2014/main" id="{E4564234-45B0-4ED8-A9E2-199C00173276}"/>
               </a:ext>
               <a:ext uri="{C183D7F6-B498-43B3-948B-1728B52AA6E4}">
-                <adec:decorative xmlns:adec="http://schemas.microsoft.com/office/drawing/2017/decorative" xmlns="" val="1"/>
+                <adec:decorative xmlns="" xmlns:adec="http://schemas.microsoft.com/office/drawing/2017/decorative" val="1"/>
               </a:ext>
             </a:extLst>
           </p:cNvPr>
@@ -15146,7 +15148,7 @@
           <p:cNvPr id="2" name="Title 1">
             <a:extLst>
               <a:ext uri="{FF2B5EF4-FFF2-40B4-BE49-F238E27FC236}">
-                <a16:creationId xmlns:a16="http://schemas.microsoft.com/office/drawing/2014/main" xmlns="" id="{12AE96A0-ED8F-624C-A189-18C57DFFC328}"/>
+                <a16:creationId xmlns="" xmlns:a16="http://schemas.microsoft.com/office/drawing/2014/main" id="{12AE96A0-ED8F-624C-A189-18C57DFFC328}"/>
               </a:ext>
             </a:extLst>
           </p:cNvPr>
@@ -15188,7 +15190,7 @@
           <p:cNvPr id="5" name="Content Placeholder 4">
             <a:extLst>
               <a:ext uri="{FF2B5EF4-FFF2-40B4-BE49-F238E27FC236}">
-                <a16:creationId xmlns:a16="http://schemas.microsoft.com/office/drawing/2014/main" xmlns="" id="{D709A5CC-AC22-0340-8F44-73A8C271AE35}"/>
+                <a16:creationId xmlns="" xmlns:a16="http://schemas.microsoft.com/office/drawing/2014/main" id="{D709A5CC-AC22-0340-8F44-73A8C271AE35}"/>
               </a:ext>
             </a:extLst>
           </p:cNvPr>
@@ -15318,7 +15320,7 @@
           <p:cNvPr id="7" name="Table 6">
             <a:extLst>
               <a:ext uri="{FF2B5EF4-FFF2-40B4-BE49-F238E27FC236}">
-                <a16:creationId xmlns:a16="http://schemas.microsoft.com/office/drawing/2014/main" xmlns="" id="{B3224BBC-CFBA-6742-A45B-FB0E72172A3A}"/>
+                <a16:creationId xmlns="" xmlns:a16="http://schemas.microsoft.com/office/drawing/2014/main" id="{B3224BBC-CFBA-6742-A45B-FB0E72172A3A}"/>
               </a:ext>
             </a:extLst>
           </p:cNvPr>
@@ -15347,35 +15349,35 @@
                 <a:gridCol w="1615790">
                   <a:extLst>
                     <a:ext uri="{9D8B030D-6E8A-4147-A177-3AD203B41FA5}">
-                      <a16:colId xmlns:a16="http://schemas.microsoft.com/office/drawing/2014/main" xmlns="" val="3128613816"/>
+                      <a16:colId xmlns="" xmlns:a16="http://schemas.microsoft.com/office/drawing/2014/main" val="3128613816"/>
                     </a:ext>
                   </a:extLst>
                 </a:gridCol>
                 <a:gridCol w="1615790">
                   <a:extLst>
                     <a:ext uri="{9D8B030D-6E8A-4147-A177-3AD203B41FA5}">
-                      <a16:colId xmlns:a16="http://schemas.microsoft.com/office/drawing/2014/main" xmlns="" val="936682656"/>
+                      <a16:colId xmlns="" xmlns:a16="http://schemas.microsoft.com/office/drawing/2014/main" val="936682656"/>
                     </a:ext>
                   </a:extLst>
                 </a:gridCol>
                 <a:gridCol w="1615790">
                   <a:extLst>
                     <a:ext uri="{9D8B030D-6E8A-4147-A177-3AD203B41FA5}">
-                      <a16:colId xmlns:a16="http://schemas.microsoft.com/office/drawing/2014/main" xmlns="" val="1454602897"/>
+                      <a16:colId xmlns="" xmlns:a16="http://schemas.microsoft.com/office/drawing/2014/main" val="1454602897"/>
                     </a:ext>
                   </a:extLst>
                 </a:gridCol>
                 <a:gridCol w="1615790">
                   <a:extLst>
                     <a:ext uri="{9D8B030D-6E8A-4147-A177-3AD203B41FA5}">
-                      <a16:colId xmlns:a16="http://schemas.microsoft.com/office/drawing/2014/main" xmlns="" val="2308813254"/>
+                      <a16:colId xmlns="" xmlns:a16="http://schemas.microsoft.com/office/drawing/2014/main" val="2308813254"/>
                     </a:ext>
                   </a:extLst>
                 </a:gridCol>
                 <a:gridCol w="1615790">
                   <a:extLst>
                     <a:ext uri="{9D8B030D-6E8A-4147-A177-3AD203B41FA5}">
-                      <a16:colId xmlns:a16="http://schemas.microsoft.com/office/drawing/2014/main" xmlns="" val="567536515"/>
+                      <a16:colId xmlns="" xmlns:a16="http://schemas.microsoft.com/office/drawing/2014/main" val="567536515"/>
                     </a:ext>
                   </a:extLst>
                 </a:gridCol>
@@ -15480,7 +15482,7 @@
                 </a:tc>
                 <a:extLst>
                   <a:ext uri="{0D108BD9-81ED-4DB2-BD59-A6C34878D82A}">
-                    <a16:rowId xmlns:a16="http://schemas.microsoft.com/office/drawing/2014/main" xmlns="" val="1817702652"/>
+                    <a16:rowId xmlns="" xmlns:a16="http://schemas.microsoft.com/office/drawing/2014/main" val="1817702652"/>
                   </a:ext>
                 </a:extLst>
               </a:tr>
@@ -15603,7 +15605,7 @@
                 </a:tc>
                 <a:extLst>
                   <a:ext uri="{0D108BD9-81ED-4DB2-BD59-A6C34878D82A}">
-                    <a16:rowId xmlns:a16="http://schemas.microsoft.com/office/drawing/2014/main" xmlns="" val="452981392"/>
+                    <a16:rowId xmlns="" xmlns:a16="http://schemas.microsoft.com/office/drawing/2014/main" val="452981392"/>
                   </a:ext>
                 </a:extLst>
               </a:tr>
@@ -15781,7 +15783,7 @@
                 </a:tc>
                 <a:extLst>
                   <a:ext uri="{0D108BD9-81ED-4DB2-BD59-A6C34878D82A}">
-                    <a16:rowId xmlns:a16="http://schemas.microsoft.com/office/drawing/2014/main" xmlns="" val="3483568158"/>
+                    <a16:rowId xmlns="" xmlns:a16="http://schemas.microsoft.com/office/drawing/2014/main" val="3483568158"/>
                   </a:ext>
                 </a:extLst>
               </a:tr>
@@ -15903,7 +15905,7 @@
                 </a:tc>
                 <a:extLst>
                   <a:ext uri="{0D108BD9-81ED-4DB2-BD59-A6C34878D82A}">
-                    <a16:rowId xmlns:a16="http://schemas.microsoft.com/office/drawing/2014/main" xmlns="" val="1980686529"/>
+                    <a16:rowId xmlns="" xmlns:a16="http://schemas.microsoft.com/office/drawing/2014/main" val="1980686529"/>
                   </a:ext>
                 </a:extLst>
               </a:tr>
@@ -15916,7 +15918,7 @@
           <p:cNvPr id="4" name="Rectangle 3">
             <a:extLst>
               <a:ext uri="{FF2B5EF4-FFF2-40B4-BE49-F238E27FC236}">
-                <a16:creationId xmlns:a16="http://schemas.microsoft.com/office/drawing/2014/main" xmlns="" id="{DCF2A5BE-26ED-A44A-B123-51428716F8F8}"/>
+                <a16:creationId xmlns="" xmlns:a16="http://schemas.microsoft.com/office/drawing/2014/main" id="{DCF2A5BE-26ED-A44A-B123-51428716F8F8}"/>
               </a:ext>
             </a:extLst>
           </p:cNvPr>
@@ -15957,7 +15959,7 @@
           <p:cNvPr id="6" name="Rectangle 5">
             <a:extLst>
               <a:ext uri="{FF2B5EF4-FFF2-40B4-BE49-F238E27FC236}">
-                <a16:creationId xmlns:a16="http://schemas.microsoft.com/office/drawing/2014/main" xmlns="" id="{0B0C8ADD-B7C4-ED40-AF6D-B2710B45BEC5}"/>
+                <a16:creationId xmlns="" xmlns:a16="http://schemas.microsoft.com/office/drawing/2014/main" id="{0B0C8ADD-B7C4-ED40-AF6D-B2710B45BEC5}"/>
               </a:ext>
             </a:extLst>
           </p:cNvPr>
@@ -16036,7 +16038,7 @@
           <p:cNvPr id="2" name="Title 1">
             <a:extLst>
               <a:ext uri="{FF2B5EF4-FFF2-40B4-BE49-F238E27FC236}">
-                <a16:creationId xmlns:a16="http://schemas.microsoft.com/office/drawing/2014/main" xmlns="" id="{AD203B07-CB94-C543-8FED-3C2B518FCA0D}"/>
+                <a16:creationId xmlns="" xmlns:a16="http://schemas.microsoft.com/office/drawing/2014/main" id="{AD203B07-CB94-C543-8FED-3C2B518FCA0D}"/>
               </a:ext>
             </a:extLst>
           </p:cNvPr>
@@ -16071,7 +16073,7 @@
           <p:cNvPr id="3" name="Content Placeholder 2">
             <a:extLst>
               <a:ext uri="{FF2B5EF4-FFF2-40B4-BE49-F238E27FC236}">
-                <a16:creationId xmlns:a16="http://schemas.microsoft.com/office/drawing/2014/main" xmlns="" id="{4E4B41E3-9411-4142-90D8-7B1BB45F2911}"/>
+                <a16:creationId xmlns="" xmlns:a16="http://schemas.microsoft.com/office/drawing/2014/main" id="{4E4B41E3-9411-4142-90D8-7B1BB45F2911}"/>
               </a:ext>
             </a:extLst>
           </p:cNvPr>
@@ -16158,10 +16160,10 @@
           <p:cNvPr id="29" name="Rectangle 28">
             <a:extLst>
               <a:ext uri="{FF2B5EF4-FFF2-40B4-BE49-F238E27FC236}">
-                <a16:creationId xmlns:a16="http://schemas.microsoft.com/office/drawing/2014/main" xmlns="" id="{293F5FFF-2AE2-424B-BE21-49AFFEF68811}"/>
+                <a16:creationId xmlns="" xmlns:a16="http://schemas.microsoft.com/office/drawing/2014/main" id="{293F5FFF-2AE2-424B-BE21-49AFFEF68811}"/>
               </a:ext>
               <a:ext uri="{C183D7F6-B498-43B3-948B-1728B52AA6E4}">
-                <adec:decorative xmlns:adec="http://schemas.microsoft.com/office/drawing/2017/decorative" xmlns="" val="1"/>
+                <adec:decorative xmlns="" xmlns:adec="http://schemas.microsoft.com/office/drawing/2017/decorative" val="1"/>
               </a:ext>
             </a:extLst>
           </p:cNvPr>
@@ -16250,7 +16252,7 @@
           <p:cNvPr id="8" name="Content Placeholder 2">
             <a:extLst>
               <a:ext uri="{FF2B5EF4-FFF2-40B4-BE49-F238E27FC236}">
-                <a16:creationId xmlns:a16="http://schemas.microsoft.com/office/drawing/2014/main" xmlns="" id="{229BC5D3-C8D7-1C49-9F9C-0B3BF35AFBE4}"/>
+                <a16:creationId xmlns="" xmlns:a16="http://schemas.microsoft.com/office/drawing/2014/main" id="{229BC5D3-C8D7-1C49-9F9C-0B3BF35AFBE4}"/>
               </a:ext>
             </a:extLst>
           </p:cNvPr>
@@ -17240,10 +17242,10 @@
           <p:cNvPr id="10" name="Rectangle 9">
             <a:extLst>
               <a:ext uri="{FF2B5EF4-FFF2-40B4-BE49-F238E27FC236}">
-                <a16:creationId xmlns:a16="http://schemas.microsoft.com/office/drawing/2014/main" xmlns="" id="{3A4F209C-C20E-4FA7-B241-1EF4F8D193B2}"/>
+                <a16:creationId xmlns="" xmlns:a16="http://schemas.microsoft.com/office/drawing/2014/main" id="{3A4F209C-C20E-4FA7-B241-1EF4F8D193B2}"/>
               </a:ext>
               <a:ext uri="{C183D7F6-B498-43B3-948B-1728B52AA6E4}">
-                <adec:decorative xmlns:adec="http://schemas.microsoft.com/office/drawing/2017/decorative" xmlns="" val="1"/>
+                <adec:decorative xmlns="" xmlns:adec="http://schemas.microsoft.com/office/drawing/2017/decorative" val="1"/>
               </a:ext>
             </a:extLst>
           </p:cNvPr>
@@ -17332,10 +17334,10 @@
           <p:cNvPr id="12" name="Rectangle 11">
             <a:extLst>
               <a:ext uri="{FF2B5EF4-FFF2-40B4-BE49-F238E27FC236}">
-                <a16:creationId xmlns:a16="http://schemas.microsoft.com/office/drawing/2014/main" xmlns="" id="{E4564234-45B0-4ED8-A9E2-199C00173276}"/>
+                <a16:creationId xmlns="" xmlns:a16="http://schemas.microsoft.com/office/drawing/2014/main" id="{E4564234-45B0-4ED8-A9E2-199C00173276}"/>
               </a:ext>
               <a:ext uri="{C183D7F6-B498-43B3-948B-1728B52AA6E4}">
-                <adec:decorative xmlns:adec="http://schemas.microsoft.com/office/drawing/2017/decorative" xmlns="" val="1"/>
+                <adec:decorative xmlns="" xmlns:adec="http://schemas.microsoft.com/office/drawing/2017/decorative" val="1"/>
               </a:ext>
             </a:extLst>
           </p:cNvPr>
@@ -17421,7 +17423,7 @@
           <p:cNvPr id="2" name="Title 1">
             <a:extLst>
               <a:ext uri="{FF2B5EF4-FFF2-40B4-BE49-F238E27FC236}">
-                <a16:creationId xmlns:a16="http://schemas.microsoft.com/office/drawing/2014/main" xmlns="" id="{12AE96A0-ED8F-624C-A189-18C57DFFC328}"/>
+                <a16:creationId xmlns="" xmlns:a16="http://schemas.microsoft.com/office/drawing/2014/main" id="{12AE96A0-ED8F-624C-A189-18C57DFFC328}"/>
               </a:ext>
             </a:extLst>
           </p:cNvPr>
@@ -17463,7 +17465,7 @@
           <p:cNvPr id="5" name="Content Placeholder 4">
             <a:extLst>
               <a:ext uri="{FF2B5EF4-FFF2-40B4-BE49-F238E27FC236}">
-                <a16:creationId xmlns:a16="http://schemas.microsoft.com/office/drawing/2014/main" xmlns="" id="{D709A5CC-AC22-0340-8F44-73A8C271AE35}"/>
+                <a16:creationId xmlns="" xmlns:a16="http://schemas.microsoft.com/office/drawing/2014/main" id="{D709A5CC-AC22-0340-8F44-73A8C271AE35}"/>
               </a:ext>
             </a:extLst>
           </p:cNvPr>
@@ -17571,7 +17573,7 @@
           <p:cNvPr id="7" name="Table 6">
             <a:extLst>
               <a:ext uri="{FF2B5EF4-FFF2-40B4-BE49-F238E27FC236}">
-                <a16:creationId xmlns:a16="http://schemas.microsoft.com/office/drawing/2014/main" xmlns="" id="{B3224BBC-CFBA-6742-A45B-FB0E72172A3A}"/>
+                <a16:creationId xmlns="" xmlns:a16="http://schemas.microsoft.com/office/drawing/2014/main" id="{B3224BBC-CFBA-6742-A45B-FB0E72172A3A}"/>
               </a:ext>
             </a:extLst>
           </p:cNvPr>
@@ -17600,42 +17602,42 @@
                 <a:gridCol w="1592317">
                   <a:extLst>
                     <a:ext uri="{9D8B030D-6E8A-4147-A177-3AD203B41FA5}">
-                      <a16:colId xmlns:a16="http://schemas.microsoft.com/office/drawing/2014/main" xmlns="" val="3128613816"/>
+                      <a16:colId xmlns="" xmlns:a16="http://schemas.microsoft.com/office/drawing/2014/main" val="3128613816"/>
                     </a:ext>
                   </a:extLst>
                 </a:gridCol>
                 <a:gridCol w="1592317">
                   <a:extLst>
                     <a:ext uri="{9D8B030D-6E8A-4147-A177-3AD203B41FA5}">
-                      <a16:colId xmlns:a16="http://schemas.microsoft.com/office/drawing/2014/main" xmlns="" val="936682656"/>
+                      <a16:colId xmlns="" xmlns:a16="http://schemas.microsoft.com/office/drawing/2014/main" val="936682656"/>
                     </a:ext>
                   </a:extLst>
                 </a:gridCol>
                 <a:gridCol w="1592317">
                   <a:extLst>
                     <a:ext uri="{9D8B030D-6E8A-4147-A177-3AD203B41FA5}">
-                      <a16:colId xmlns:a16="http://schemas.microsoft.com/office/drawing/2014/main" xmlns="" val="1454602897"/>
+                      <a16:colId xmlns="" xmlns:a16="http://schemas.microsoft.com/office/drawing/2014/main" val="1454602897"/>
                     </a:ext>
                   </a:extLst>
                 </a:gridCol>
                 <a:gridCol w="1592317">
                   <a:extLst>
                     <a:ext uri="{9D8B030D-6E8A-4147-A177-3AD203B41FA5}">
-                      <a16:colId xmlns:a16="http://schemas.microsoft.com/office/drawing/2014/main" xmlns="" val="2308813254"/>
+                      <a16:colId xmlns="" xmlns:a16="http://schemas.microsoft.com/office/drawing/2014/main" val="2308813254"/>
                     </a:ext>
                   </a:extLst>
                 </a:gridCol>
                 <a:gridCol w="1592317">
                   <a:extLst>
                     <a:ext uri="{9D8B030D-6E8A-4147-A177-3AD203B41FA5}">
-                      <a16:colId xmlns:a16="http://schemas.microsoft.com/office/drawing/2014/main" xmlns="" val="567536515"/>
+                      <a16:colId xmlns="" xmlns:a16="http://schemas.microsoft.com/office/drawing/2014/main" val="567536515"/>
                     </a:ext>
                   </a:extLst>
                 </a:gridCol>
                 <a:gridCol w="1592317">
                   <a:extLst>
                     <a:ext uri="{9D8B030D-6E8A-4147-A177-3AD203B41FA5}">
-                      <a16:colId xmlns:a16="http://schemas.microsoft.com/office/drawing/2014/main" xmlns="" val="4093539256"/>
+                      <a16:colId xmlns="" xmlns:a16="http://schemas.microsoft.com/office/drawing/2014/main" val="4093539256"/>
                     </a:ext>
                   </a:extLst>
                 </a:gridCol>
@@ -17761,7 +17763,7 @@
                 </a:tc>
                 <a:extLst>
                   <a:ext uri="{0D108BD9-81ED-4DB2-BD59-A6C34878D82A}">
-                    <a16:rowId xmlns:a16="http://schemas.microsoft.com/office/drawing/2014/main" xmlns="" val="1817702652"/>
+                    <a16:rowId xmlns="" xmlns:a16="http://schemas.microsoft.com/office/drawing/2014/main" val="1817702652"/>
                   </a:ext>
                 </a:extLst>
               </a:tr>
@@ -17918,7 +17920,7 @@
                 </a:tc>
                 <a:extLst>
                   <a:ext uri="{0D108BD9-81ED-4DB2-BD59-A6C34878D82A}">
-                    <a16:rowId xmlns:a16="http://schemas.microsoft.com/office/drawing/2014/main" xmlns="" val="452981392"/>
+                    <a16:rowId xmlns="" xmlns:a16="http://schemas.microsoft.com/office/drawing/2014/main" val="452981392"/>
                   </a:ext>
                 </a:extLst>
               </a:tr>
@@ -18130,7 +18132,7 @@
                 </a:tc>
                 <a:extLst>
                   <a:ext uri="{0D108BD9-81ED-4DB2-BD59-A6C34878D82A}">
-                    <a16:rowId xmlns:a16="http://schemas.microsoft.com/office/drawing/2014/main" xmlns="" val="3483568158"/>
+                    <a16:rowId xmlns="" xmlns:a16="http://schemas.microsoft.com/office/drawing/2014/main" val="3483568158"/>
                   </a:ext>
                 </a:extLst>
               </a:tr>
@@ -18286,7 +18288,7 @@
                 </a:tc>
                 <a:extLst>
                   <a:ext uri="{0D108BD9-81ED-4DB2-BD59-A6C34878D82A}">
-                    <a16:rowId xmlns:a16="http://schemas.microsoft.com/office/drawing/2014/main" xmlns="" val="1980686529"/>
+                    <a16:rowId xmlns="" xmlns:a16="http://schemas.microsoft.com/office/drawing/2014/main" val="1980686529"/>
                   </a:ext>
                 </a:extLst>
               </a:tr>
@@ -18337,10 +18339,10 @@
           <p:cNvPr id="10" name="Rectangle 9">
             <a:extLst>
               <a:ext uri="{FF2B5EF4-FFF2-40B4-BE49-F238E27FC236}">
-                <a16:creationId xmlns:a16="http://schemas.microsoft.com/office/drawing/2014/main" xmlns="" id="{3A4F209C-C20E-4FA7-B241-1EF4F8D193B2}"/>
+                <a16:creationId xmlns="" xmlns:a16="http://schemas.microsoft.com/office/drawing/2014/main" id="{3A4F209C-C20E-4FA7-B241-1EF4F8D193B2}"/>
               </a:ext>
               <a:ext uri="{C183D7F6-B498-43B3-948B-1728B52AA6E4}">
-                <adec:decorative xmlns:adec="http://schemas.microsoft.com/office/drawing/2017/decorative" xmlns="" val="1"/>
+                <adec:decorative xmlns="" xmlns:adec="http://schemas.microsoft.com/office/drawing/2017/decorative" val="1"/>
               </a:ext>
             </a:extLst>
           </p:cNvPr>
@@ -18429,10 +18431,10 @@
           <p:cNvPr id="12" name="Rectangle 11">
             <a:extLst>
               <a:ext uri="{FF2B5EF4-FFF2-40B4-BE49-F238E27FC236}">
-                <a16:creationId xmlns:a16="http://schemas.microsoft.com/office/drawing/2014/main" xmlns="" id="{E4564234-45B0-4ED8-A9E2-199C00173276}"/>
+                <a16:creationId xmlns="" xmlns:a16="http://schemas.microsoft.com/office/drawing/2014/main" id="{E4564234-45B0-4ED8-A9E2-199C00173276}"/>
               </a:ext>
               <a:ext uri="{C183D7F6-B498-43B3-948B-1728B52AA6E4}">
-                <adec:decorative xmlns:adec="http://schemas.microsoft.com/office/drawing/2017/decorative" xmlns="" val="1"/>
+                <adec:decorative xmlns="" xmlns:adec="http://schemas.microsoft.com/office/drawing/2017/decorative" val="1"/>
               </a:ext>
             </a:extLst>
           </p:cNvPr>
@@ -18518,7 +18520,7 @@
           <p:cNvPr id="2" name="Title 1">
             <a:extLst>
               <a:ext uri="{FF2B5EF4-FFF2-40B4-BE49-F238E27FC236}">
-                <a16:creationId xmlns:a16="http://schemas.microsoft.com/office/drawing/2014/main" xmlns="" id="{12AE96A0-ED8F-624C-A189-18C57DFFC328}"/>
+                <a16:creationId xmlns="" xmlns:a16="http://schemas.microsoft.com/office/drawing/2014/main" id="{12AE96A0-ED8F-624C-A189-18C57DFFC328}"/>
               </a:ext>
             </a:extLst>
           </p:cNvPr>
@@ -18560,7 +18562,7 @@
           <p:cNvPr id="5" name="Content Placeholder 4">
             <a:extLst>
               <a:ext uri="{FF2B5EF4-FFF2-40B4-BE49-F238E27FC236}">
-                <a16:creationId xmlns:a16="http://schemas.microsoft.com/office/drawing/2014/main" xmlns="" id="{D709A5CC-AC22-0340-8F44-73A8C271AE35}"/>
+                <a16:creationId xmlns="" xmlns:a16="http://schemas.microsoft.com/office/drawing/2014/main" id="{D709A5CC-AC22-0340-8F44-73A8C271AE35}"/>
               </a:ext>
             </a:extLst>
           </p:cNvPr>
@@ -18694,10 +18696,10 @@
           <p:cNvPr id="10" name="Rectangle 9">
             <a:extLst>
               <a:ext uri="{FF2B5EF4-FFF2-40B4-BE49-F238E27FC236}">
-                <a16:creationId xmlns:a16="http://schemas.microsoft.com/office/drawing/2014/main" xmlns="" id="{3A4F209C-C20E-4FA7-B241-1EF4F8D193B2}"/>
+                <a16:creationId xmlns="" xmlns:a16="http://schemas.microsoft.com/office/drawing/2014/main" id="{3A4F209C-C20E-4FA7-B241-1EF4F8D193B2}"/>
               </a:ext>
               <a:ext uri="{C183D7F6-B498-43B3-948B-1728B52AA6E4}">
-                <adec:decorative xmlns:adec="http://schemas.microsoft.com/office/drawing/2017/decorative" xmlns="" val="1"/>
+                <adec:decorative xmlns="" xmlns:adec="http://schemas.microsoft.com/office/drawing/2017/decorative" val="1"/>
               </a:ext>
             </a:extLst>
           </p:cNvPr>
@@ -18786,10 +18788,10 @@
           <p:cNvPr id="12" name="Rectangle 11">
             <a:extLst>
               <a:ext uri="{FF2B5EF4-FFF2-40B4-BE49-F238E27FC236}">
-                <a16:creationId xmlns:a16="http://schemas.microsoft.com/office/drawing/2014/main" xmlns="" id="{E4564234-45B0-4ED8-A9E2-199C00173276}"/>
+                <a16:creationId xmlns="" xmlns:a16="http://schemas.microsoft.com/office/drawing/2014/main" id="{E4564234-45B0-4ED8-A9E2-199C00173276}"/>
               </a:ext>
               <a:ext uri="{C183D7F6-B498-43B3-948B-1728B52AA6E4}">
-                <adec:decorative xmlns:adec="http://schemas.microsoft.com/office/drawing/2017/decorative" xmlns="" val="1"/>
+                <adec:decorative xmlns="" xmlns:adec="http://schemas.microsoft.com/office/drawing/2017/decorative" val="1"/>
               </a:ext>
             </a:extLst>
           </p:cNvPr>
@@ -18875,7 +18877,7 @@
           <p:cNvPr id="2" name="Title 1">
             <a:extLst>
               <a:ext uri="{FF2B5EF4-FFF2-40B4-BE49-F238E27FC236}">
-                <a16:creationId xmlns:a16="http://schemas.microsoft.com/office/drawing/2014/main" xmlns="" id="{12AE96A0-ED8F-624C-A189-18C57DFFC328}"/>
+                <a16:creationId xmlns="" xmlns:a16="http://schemas.microsoft.com/office/drawing/2014/main" id="{12AE96A0-ED8F-624C-A189-18C57DFFC328}"/>
               </a:ext>
             </a:extLst>
           </p:cNvPr>
@@ -18917,7 +18919,7 @@
           <p:cNvPr id="5" name="Content Placeholder 4">
             <a:extLst>
               <a:ext uri="{FF2B5EF4-FFF2-40B4-BE49-F238E27FC236}">
-                <a16:creationId xmlns:a16="http://schemas.microsoft.com/office/drawing/2014/main" xmlns="" id="{D709A5CC-AC22-0340-8F44-73A8C271AE35}"/>
+                <a16:creationId xmlns="" xmlns:a16="http://schemas.microsoft.com/office/drawing/2014/main" id="{D709A5CC-AC22-0340-8F44-73A8C271AE35}"/>
               </a:ext>
             </a:extLst>
           </p:cNvPr>
@@ -19021,7 +19023,7 @@
           <p:cNvPr id="2" name="Title 1">
             <a:extLst>
               <a:ext uri="{FF2B5EF4-FFF2-40B4-BE49-F238E27FC236}">
-                <a16:creationId xmlns:a16="http://schemas.microsoft.com/office/drawing/2014/main" xmlns="" id="{F7E79348-028E-EB42-9B8D-348A5CE5A3CF}"/>
+                <a16:creationId xmlns="" xmlns:a16="http://schemas.microsoft.com/office/drawing/2014/main" id="{F7E79348-028E-EB42-9B8D-348A5CE5A3CF}"/>
               </a:ext>
             </a:extLst>
           </p:cNvPr>
@@ -19099,7 +19101,7 @@
           <p:cNvPr id="2" name="Title 1">
             <a:extLst>
               <a:ext uri="{FF2B5EF4-FFF2-40B4-BE49-F238E27FC236}">
-                <a16:creationId xmlns:a16="http://schemas.microsoft.com/office/drawing/2014/main" xmlns="" id="{AD203B07-CB94-C543-8FED-3C2B518FCA0D}"/>
+                <a16:creationId xmlns="" xmlns:a16="http://schemas.microsoft.com/office/drawing/2014/main" id="{AD203B07-CB94-C543-8FED-3C2B518FCA0D}"/>
               </a:ext>
             </a:extLst>
           </p:cNvPr>
@@ -19136,7 +19138,7 @@
               <p:cNvPr id="3" name="Content Placeholder 2">
                 <a:extLst>
                   <a:ext uri="{FF2B5EF4-FFF2-40B4-BE49-F238E27FC236}">
-                    <a16:creationId xmlns:a16="http://schemas.microsoft.com/office/drawing/2014/main" xmlns="" id="{4E4B41E3-9411-4142-90D8-7B1BB45F2911}"/>
+                    <a16:creationId xmlns="" xmlns:a16="http://schemas.microsoft.com/office/drawing/2014/main" id="{4E4B41E3-9411-4142-90D8-7B1BB45F2911}"/>
                   </a:ext>
                 </a:extLst>
               </p:cNvPr>
@@ -19357,10 +19359,10 @@
           <p:cNvPr id="29" name="Rectangle 28">
             <a:extLst>
               <a:ext uri="{FF2B5EF4-FFF2-40B4-BE49-F238E27FC236}">
-                <a16:creationId xmlns:a16="http://schemas.microsoft.com/office/drawing/2014/main" xmlns="" id="{293F5FFF-2AE2-424B-BE21-49AFFEF68811}"/>
+                <a16:creationId xmlns="" xmlns:a16="http://schemas.microsoft.com/office/drawing/2014/main" id="{293F5FFF-2AE2-424B-BE21-49AFFEF68811}"/>
               </a:ext>
               <a:ext uri="{C183D7F6-B498-43B3-948B-1728B52AA6E4}">
-                <adec:decorative xmlns:adec="http://schemas.microsoft.com/office/drawing/2017/decorative" xmlns="" val="1"/>
+                <adec:decorative xmlns="" xmlns:adec="http://schemas.microsoft.com/office/drawing/2017/decorative" val="1"/>
               </a:ext>
             </a:extLst>
           </p:cNvPr>
@@ -19420,7 +19422,7 @@
           <p:cNvPr id="6" name="Content Placeholder 5" descr="A close up of a map&#10;&#10;Description automatically generated">
             <a:extLst>
               <a:ext uri="{FF2B5EF4-FFF2-40B4-BE49-F238E27FC236}">
-                <a16:creationId xmlns:a16="http://schemas.microsoft.com/office/drawing/2014/main" xmlns="" id="{F988D4DE-8922-3344-8AA2-9EAF5973CF0C}"/>
+                <a16:creationId xmlns="" xmlns:a16="http://schemas.microsoft.com/office/drawing/2014/main" id="{F988D4DE-8922-3344-8AA2-9EAF5973CF0C}"/>
               </a:ext>
             </a:extLst>
           </p:cNvPr>
@@ -19490,10 +19492,10 @@
           <p:cNvPr id="10" name="Rectangle 9">
             <a:extLst>
               <a:ext uri="{FF2B5EF4-FFF2-40B4-BE49-F238E27FC236}">
-                <a16:creationId xmlns:a16="http://schemas.microsoft.com/office/drawing/2014/main" xmlns="" id="{3A4F209C-C20E-4FA7-B241-1EF4F8D193B2}"/>
+                <a16:creationId xmlns="" xmlns:a16="http://schemas.microsoft.com/office/drawing/2014/main" id="{3A4F209C-C20E-4FA7-B241-1EF4F8D193B2}"/>
               </a:ext>
               <a:ext uri="{C183D7F6-B498-43B3-948B-1728B52AA6E4}">
-                <adec:decorative xmlns:adec="http://schemas.microsoft.com/office/drawing/2017/decorative" xmlns="" val="1"/>
+                <adec:decorative xmlns="" xmlns:adec="http://schemas.microsoft.com/office/drawing/2017/decorative" val="1"/>
               </a:ext>
             </a:extLst>
           </p:cNvPr>
@@ -19582,10 +19584,10 @@
           <p:cNvPr id="12" name="Rectangle 11">
             <a:extLst>
               <a:ext uri="{FF2B5EF4-FFF2-40B4-BE49-F238E27FC236}">
-                <a16:creationId xmlns:a16="http://schemas.microsoft.com/office/drawing/2014/main" xmlns="" id="{E4564234-45B0-4ED8-A9E2-199C00173276}"/>
+                <a16:creationId xmlns="" xmlns:a16="http://schemas.microsoft.com/office/drawing/2014/main" id="{E4564234-45B0-4ED8-A9E2-199C00173276}"/>
               </a:ext>
               <a:ext uri="{C183D7F6-B498-43B3-948B-1728B52AA6E4}">
-                <adec:decorative xmlns:adec="http://schemas.microsoft.com/office/drawing/2017/decorative" xmlns="" val="1"/>
+                <adec:decorative xmlns="" xmlns:adec="http://schemas.microsoft.com/office/drawing/2017/decorative" val="1"/>
               </a:ext>
             </a:extLst>
           </p:cNvPr>
@@ -19671,7 +19673,7 @@
           <p:cNvPr id="2" name="Title 1">
             <a:extLst>
               <a:ext uri="{FF2B5EF4-FFF2-40B4-BE49-F238E27FC236}">
-                <a16:creationId xmlns:a16="http://schemas.microsoft.com/office/drawing/2014/main" xmlns="" id="{12AE96A0-ED8F-624C-A189-18C57DFFC328}"/>
+                <a16:creationId xmlns="" xmlns:a16="http://schemas.microsoft.com/office/drawing/2014/main" id="{12AE96A0-ED8F-624C-A189-18C57DFFC328}"/>
               </a:ext>
             </a:extLst>
           </p:cNvPr>
@@ -19715,7 +19717,7 @@
               <p:cNvPr id="5" name="Content Placeholder 4">
                 <a:extLst>
                   <a:ext uri="{FF2B5EF4-FFF2-40B4-BE49-F238E27FC236}">
-                    <a16:creationId xmlns:a16="http://schemas.microsoft.com/office/drawing/2014/main" xmlns="" id="{D709A5CC-AC22-0340-8F44-73A8C271AE35}"/>
+                    <a16:creationId xmlns="" xmlns:a16="http://schemas.microsoft.com/office/drawing/2014/main" id="{D709A5CC-AC22-0340-8F44-73A8C271AE35}"/>
                   </a:ext>
                 </a:extLst>
               </p:cNvPr>
@@ -20086,10 +20088,10 @@
           <p:cNvPr id="10" name="Rectangle 9">
             <a:extLst>
               <a:ext uri="{FF2B5EF4-FFF2-40B4-BE49-F238E27FC236}">
-                <a16:creationId xmlns:a16="http://schemas.microsoft.com/office/drawing/2014/main" xmlns="" id="{3A4F209C-C20E-4FA7-B241-1EF4F8D193B2}"/>
+                <a16:creationId xmlns="" xmlns:a16="http://schemas.microsoft.com/office/drawing/2014/main" id="{3A4F209C-C20E-4FA7-B241-1EF4F8D193B2}"/>
               </a:ext>
               <a:ext uri="{C183D7F6-B498-43B3-948B-1728B52AA6E4}">
-                <adec:decorative xmlns:adec="http://schemas.microsoft.com/office/drawing/2017/decorative" xmlns="" val="1"/>
+                <adec:decorative xmlns="" xmlns:adec="http://schemas.microsoft.com/office/drawing/2017/decorative" val="1"/>
               </a:ext>
             </a:extLst>
           </p:cNvPr>
@@ -20149,10 +20151,10 @@
           <p:cNvPr id="12" name="Rectangle 11">
             <a:extLst>
               <a:ext uri="{FF2B5EF4-FFF2-40B4-BE49-F238E27FC236}">
-                <a16:creationId xmlns:a16="http://schemas.microsoft.com/office/drawing/2014/main" xmlns="" id="{E4564234-45B0-4ED8-A9E2-199C00173276}"/>
+                <a16:creationId xmlns="" xmlns:a16="http://schemas.microsoft.com/office/drawing/2014/main" id="{E4564234-45B0-4ED8-A9E2-199C00173276}"/>
               </a:ext>
               <a:ext uri="{C183D7F6-B498-43B3-948B-1728B52AA6E4}">
-                <adec:decorative xmlns:adec="http://schemas.microsoft.com/office/drawing/2017/decorative" xmlns="" val="1"/>
+                <adec:decorative xmlns="" xmlns:adec="http://schemas.microsoft.com/office/drawing/2017/decorative" val="1"/>
               </a:ext>
             </a:extLst>
           </p:cNvPr>
@@ -20209,7 +20211,7 @@
           <p:cNvPr id="2" name="Title 1">
             <a:extLst>
               <a:ext uri="{FF2B5EF4-FFF2-40B4-BE49-F238E27FC236}">
-                <a16:creationId xmlns:a16="http://schemas.microsoft.com/office/drawing/2014/main" xmlns="" id="{12AE96A0-ED8F-624C-A189-18C57DFFC328}"/>
+                <a16:creationId xmlns="" xmlns:a16="http://schemas.microsoft.com/office/drawing/2014/main" id="{12AE96A0-ED8F-624C-A189-18C57DFFC328}"/>
               </a:ext>
             </a:extLst>
           </p:cNvPr>
@@ -20253,7 +20255,7 @@
               <p:cNvPr id="5" name="Content Placeholder 4">
                 <a:extLst>
                   <a:ext uri="{FF2B5EF4-FFF2-40B4-BE49-F238E27FC236}">
-                    <a16:creationId xmlns:a16="http://schemas.microsoft.com/office/drawing/2014/main" xmlns="" id="{D709A5CC-AC22-0340-8F44-73A8C271AE35}"/>
+                    <a16:creationId xmlns="" xmlns:a16="http://schemas.microsoft.com/office/drawing/2014/main" id="{D709A5CC-AC22-0340-8F44-73A8C271AE35}"/>
                   </a:ext>
                 </a:extLst>
               </p:cNvPr>
@@ -21326,10 +21328,10 @@
           <p:cNvPr id="10" name="Rectangle 9">
             <a:extLst>
               <a:ext uri="{FF2B5EF4-FFF2-40B4-BE49-F238E27FC236}">
-                <a16:creationId xmlns:a16="http://schemas.microsoft.com/office/drawing/2014/main" xmlns="" id="{3A4F209C-C20E-4FA7-B241-1EF4F8D193B2}"/>
+                <a16:creationId xmlns="" xmlns:a16="http://schemas.microsoft.com/office/drawing/2014/main" id="{3A4F209C-C20E-4FA7-B241-1EF4F8D193B2}"/>
               </a:ext>
               <a:ext uri="{C183D7F6-B498-43B3-948B-1728B52AA6E4}">
-                <adec:decorative xmlns:adec="http://schemas.microsoft.com/office/drawing/2017/decorative" xmlns="" val="1"/>
+                <adec:decorative xmlns="" xmlns:adec="http://schemas.microsoft.com/office/drawing/2017/decorative" val="1"/>
               </a:ext>
             </a:extLst>
           </p:cNvPr>
@@ -21389,10 +21391,10 @@
           <p:cNvPr id="12" name="Rectangle 11">
             <a:extLst>
               <a:ext uri="{FF2B5EF4-FFF2-40B4-BE49-F238E27FC236}">
-                <a16:creationId xmlns:a16="http://schemas.microsoft.com/office/drawing/2014/main" xmlns="" id="{E4564234-45B0-4ED8-A9E2-199C00173276}"/>
+                <a16:creationId xmlns="" xmlns:a16="http://schemas.microsoft.com/office/drawing/2014/main" id="{E4564234-45B0-4ED8-A9E2-199C00173276}"/>
               </a:ext>
               <a:ext uri="{C183D7F6-B498-43B3-948B-1728B52AA6E4}">
-                <adec:decorative xmlns:adec="http://schemas.microsoft.com/office/drawing/2017/decorative" xmlns="" val="1"/>
+                <adec:decorative xmlns="" xmlns:adec="http://schemas.microsoft.com/office/drawing/2017/decorative" val="1"/>
               </a:ext>
             </a:extLst>
           </p:cNvPr>
@@ -21449,7 +21451,7 @@
           <p:cNvPr id="2" name="Title 1">
             <a:extLst>
               <a:ext uri="{FF2B5EF4-FFF2-40B4-BE49-F238E27FC236}">
-                <a16:creationId xmlns:a16="http://schemas.microsoft.com/office/drawing/2014/main" xmlns="" id="{12AE96A0-ED8F-624C-A189-18C57DFFC328}"/>
+                <a16:creationId xmlns="" xmlns:a16="http://schemas.microsoft.com/office/drawing/2014/main" id="{12AE96A0-ED8F-624C-A189-18C57DFFC328}"/>
               </a:ext>
             </a:extLst>
           </p:cNvPr>
@@ -21515,7 +21517,7 @@
               <p:cNvPr id="5" name="Content Placeholder 4">
                 <a:extLst>
                   <a:ext uri="{FF2B5EF4-FFF2-40B4-BE49-F238E27FC236}">
-                    <a16:creationId xmlns:a16="http://schemas.microsoft.com/office/drawing/2014/main" xmlns="" id="{D709A5CC-AC22-0340-8F44-73A8C271AE35}"/>
+                    <a16:creationId xmlns="" xmlns:a16="http://schemas.microsoft.com/office/drawing/2014/main" id="{D709A5CC-AC22-0340-8F44-73A8C271AE35}"/>
                   </a:ext>
                 </a:extLst>
               </p:cNvPr>
@@ -23440,10 +23442,10 @@
           <p:cNvPr id="10" name="Rectangle 9">
             <a:extLst>
               <a:ext uri="{FF2B5EF4-FFF2-40B4-BE49-F238E27FC236}">
-                <a16:creationId xmlns:a16="http://schemas.microsoft.com/office/drawing/2014/main" xmlns="" id="{3A4F209C-C20E-4FA7-B241-1EF4F8D193B2}"/>
+                <a16:creationId xmlns="" xmlns:a16="http://schemas.microsoft.com/office/drawing/2014/main" id="{3A4F209C-C20E-4FA7-B241-1EF4F8D193B2}"/>
               </a:ext>
               <a:ext uri="{C183D7F6-B498-43B3-948B-1728B52AA6E4}">
-                <adec:decorative xmlns:adec="http://schemas.microsoft.com/office/drawing/2017/decorative" xmlns="" val="1"/>
+                <adec:decorative xmlns="" xmlns:adec="http://schemas.microsoft.com/office/drawing/2017/decorative" val="1"/>
               </a:ext>
             </a:extLst>
           </p:cNvPr>
@@ -23532,10 +23534,10 @@
           <p:cNvPr id="12" name="Rectangle 11">
             <a:extLst>
               <a:ext uri="{FF2B5EF4-FFF2-40B4-BE49-F238E27FC236}">
-                <a16:creationId xmlns:a16="http://schemas.microsoft.com/office/drawing/2014/main" xmlns="" id="{E4564234-45B0-4ED8-A9E2-199C00173276}"/>
+                <a16:creationId xmlns="" xmlns:a16="http://schemas.microsoft.com/office/drawing/2014/main" id="{E4564234-45B0-4ED8-A9E2-199C00173276}"/>
               </a:ext>
               <a:ext uri="{C183D7F6-B498-43B3-948B-1728B52AA6E4}">
-                <adec:decorative xmlns:adec="http://schemas.microsoft.com/office/drawing/2017/decorative" xmlns="" val="1"/>
+                <adec:decorative xmlns="" xmlns:adec="http://schemas.microsoft.com/office/drawing/2017/decorative" val="1"/>
               </a:ext>
             </a:extLst>
           </p:cNvPr>
@@ -23621,7 +23623,7 @@
           <p:cNvPr id="2" name="Title 1">
             <a:extLst>
               <a:ext uri="{FF2B5EF4-FFF2-40B4-BE49-F238E27FC236}">
-                <a16:creationId xmlns:a16="http://schemas.microsoft.com/office/drawing/2014/main" xmlns="" id="{12AE96A0-ED8F-624C-A189-18C57DFFC328}"/>
+                <a16:creationId xmlns="" xmlns:a16="http://schemas.microsoft.com/office/drawing/2014/main" id="{12AE96A0-ED8F-624C-A189-18C57DFFC328}"/>
               </a:ext>
             </a:extLst>
           </p:cNvPr>
@@ -23687,7 +23689,7 @@
               <p:cNvPr id="5" name="Content Placeholder 4">
                 <a:extLst>
                   <a:ext uri="{FF2B5EF4-FFF2-40B4-BE49-F238E27FC236}">
-                    <a16:creationId xmlns:a16="http://schemas.microsoft.com/office/drawing/2014/main" xmlns="" id="{D709A5CC-AC22-0340-8F44-73A8C271AE35}"/>
+                    <a16:creationId xmlns="" xmlns:a16="http://schemas.microsoft.com/office/drawing/2014/main" id="{D709A5CC-AC22-0340-8F44-73A8C271AE35}"/>
                   </a:ext>
                 </a:extLst>
               </p:cNvPr>
@@ -25001,10 +25003,10 @@
           <p:cNvPr id="10" name="Rectangle 9">
             <a:extLst>
               <a:ext uri="{FF2B5EF4-FFF2-40B4-BE49-F238E27FC236}">
-                <a16:creationId xmlns:a16="http://schemas.microsoft.com/office/drawing/2014/main" xmlns="" id="{3A4F209C-C20E-4FA7-B241-1EF4F8D193B2}"/>
+                <a16:creationId xmlns="" xmlns:a16="http://schemas.microsoft.com/office/drawing/2014/main" id="{3A4F209C-C20E-4FA7-B241-1EF4F8D193B2}"/>
               </a:ext>
               <a:ext uri="{C183D7F6-B498-43B3-948B-1728B52AA6E4}">
-                <adec:decorative xmlns:adec="http://schemas.microsoft.com/office/drawing/2017/decorative" xmlns="" val="1"/>
+                <adec:decorative xmlns="" xmlns:adec="http://schemas.microsoft.com/office/drawing/2017/decorative" val="1"/>
               </a:ext>
             </a:extLst>
           </p:cNvPr>
@@ -25093,10 +25095,10 @@
           <p:cNvPr id="12" name="Rectangle 11">
             <a:extLst>
               <a:ext uri="{FF2B5EF4-FFF2-40B4-BE49-F238E27FC236}">
-                <a16:creationId xmlns:a16="http://schemas.microsoft.com/office/drawing/2014/main" xmlns="" id="{E4564234-45B0-4ED8-A9E2-199C00173276}"/>
+                <a16:creationId xmlns="" xmlns:a16="http://schemas.microsoft.com/office/drawing/2014/main" id="{E4564234-45B0-4ED8-A9E2-199C00173276}"/>
               </a:ext>
               <a:ext uri="{C183D7F6-B498-43B3-948B-1728B52AA6E4}">
-                <adec:decorative xmlns:adec="http://schemas.microsoft.com/office/drawing/2017/decorative" xmlns="" val="1"/>
+                <adec:decorative xmlns="" xmlns:adec="http://schemas.microsoft.com/office/drawing/2017/decorative" val="1"/>
               </a:ext>
             </a:extLst>
           </p:cNvPr>
@@ -25182,7 +25184,7 @@
           <p:cNvPr id="2" name="Title 1">
             <a:extLst>
               <a:ext uri="{FF2B5EF4-FFF2-40B4-BE49-F238E27FC236}">
-                <a16:creationId xmlns:a16="http://schemas.microsoft.com/office/drawing/2014/main" xmlns="" id="{12AE96A0-ED8F-624C-A189-18C57DFFC328}"/>
+                <a16:creationId xmlns="" xmlns:a16="http://schemas.microsoft.com/office/drawing/2014/main" id="{12AE96A0-ED8F-624C-A189-18C57DFFC328}"/>
               </a:ext>
             </a:extLst>
           </p:cNvPr>
@@ -25226,7 +25228,7 @@
               <p:cNvPr id="5" name="Content Placeholder 4">
                 <a:extLst>
                   <a:ext uri="{FF2B5EF4-FFF2-40B4-BE49-F238E27FC236}">
-                    <a16:creationId xmlns:a16="http://schemas.microsoft.com/office/drawing/2014/main" xmlns="" id="{D709A5CC-AC22-0340-8F44-73A8C271AE35}"/>
+                    <a16:creationId xmlns="" xmlns:a16="http://schemas.microsoft.com/office/drawing/2014/main" id="{D709A5CC-AC22-0340-8F44-73A8C271AE35}"/>
                   </a:ext>
                 </a:extLst>
               </p:cNvPr>
